--- a/_book/plot/unnamed-chunk-64-1.pptx
+++ b/_book/plot/unnamed-chunk-64-1.pptx
@@ -3218,7 +3218,7 @@
           </p:nvSpPr>
           <p:spPr>
             <a:xfrm>
-              <a:off x="3073422" y="1590617"/>
+              <a:off x="2805143" y="1590617"/>
               <a:ext cx="0" cy="4048310"/>
             </a:xfrm>
             <a:custGeom>
@@ -3261,7 +3261,7 @@
           </p:nvSpPr>
           <p:spPr>
             <a:xfrm>
-              <a:off x="5173169" y="1590617"/>
+              <a:off x="4368331" y="1590617"/>
               <a:ext cx="0" cy="4048310"/>
             </a:xfrm>
             <a:custGeom>
@@ -3304,7 +3304,7 @@
           </p:nvSpPr>
           <p:spPr>
             <a:xfrm>
-              <a:off x="7272916" y="1590617"/>
+              <a:off x="5931519" y="1590617"/>
               <a:ext cx="0" cy="4048310"/>
             </a:xfrm>
             <a:custGeom>
@@ -3347,26 +3347,26 @@
           </p:nvSpPr>
           <p:spPr>
             <a:xfrm>
-              <a:off x="2023549" y="5342710"/>
-              <a:ext cx="6913543" cy="0"/>
+              <a:off x="7494707" y="1590617"/>
+              <a:ext cx="0" cy="4048310"/>
             </a:xfrm>
             <a:custGeom>
               <a:avLst/>
               <a:pathLst>
-                <a:path w="6913543" h="0">
+                <a:path w="0" h="4048310">
                   <a:moveTo>
-                    <a:pt x="0" y="0"/>
+                    <a:pt x="0" y="4048310"/>
                   </a:moveTo>
                   <a:lnTo>
-                    <a:pt x="6913543" y="0"/>
+                    <a:pt x="0" y="0"/>
                   </a:lnTo>
                   <a:lnTo>
-                    <a:pt x="6913543" y="0"/>
+                    <a:pt x="0" y="0"/>
                   </a:lnTo>
                 </a:path>
               </a:pathLst>
             </a:custGeom>
-            <a:ln w="6775" cap="flat">
+            <a:ln w="3387" cap="flat">
               <a:solidFill>
                 <a:srgbClr val="DEDEDE">
                   <a:alpha val="100000"/>
@@ -3390,7 +3390,7 @@
           </p:nvSpPr>
           <p:spPr>
             <a:xfrm>
-              <a:off x="2023549" y="4849013"/>
+              <a:off x="2023549" y="5060597"/>
               <a:ext cx="6913543" cy="0"/>
             </a:xfrm>
             <a:custGeom>
@@ -3433,7 +3433,7 @@
           </p:nvSpPr>
           <p:spPr>
             <a:xfrm>
-              <a:off x="2023549" y="4355317"/>
+              <a:off x="2023549" y="4096714"/>
               <a:ext cx="6913543" cy="0"/>
             </a:xfrm>
             <a:custGeom>
@@ -3476,7 +3476,7 @@
           </p:nvSpPr>
           <p:spPr>
             <a:xfrm>
-              <a:off x="2023549" y="3861620"/>
+              <a:off x="2023549" y="3132830"/>
               <a:ext cx="6913543" cy="0"/>
             </a:xfrm>
             <a:custGeom>
@@ -3519,7 +3519,7 @@
           </p:nvSpPr>
           <p:spPr>
             <a:xfrm>
-              <a:off x="2023549" y="3367924"/>
+              <a:off x="2023549" y="2168947"/>
               <a:ext cx="6913543" cy="0"/>
             </a:xfrm>
             <a:custGeom>
@@ -3562,21 +3562,21 @@
           </p:nvSpPr>
           <p:spPr>
             <a:xfrm>
-              <a:off x="2023549" y="2874227"/>
-              <a:ext cx="6913543" cy="0"/>
+              <a:off x="2023549" y="1590617"/>
+              <a:ext cx="0" cy="4048310"/>
             </a:xfrm>
             <a:custGeom>
               <a:avLst/>
               <a:pathLst>
-                <a:path w="6913543" h="0">
+                <a:path w="0" h="4048310">
                   <a:moveTo>
-                    <a:pt x="0" y="0"/>
+                    <a:pt x="0" y="4048310"/>
                   </a:moveTo>
                   <a:lnTo>
-                    <a:pt x="6913543" y="0"/>
+                    <a:pt x="0" y="0"/>
                   </a:lnTo>
                   <a:lnTo>
-                    <a:pt x="6913543" y="0"/>
+                    <a:pt x="0" y="0"/>
                   </a:lnTo>
                 </a:path>
               </a:pathLst>
@@ -3605,21 +3605,21 @@
           </p:nvSpPr>
           <p:spPr>
             <a:xfrm>
-              <a:off x="2023549" y="2380531"/>
-              <a:ext cx="6913543" cy="0"/>
+              <a:off x="3586737" y="1590617"/>
+              <a:ext cx="0" cy="4048310"/>
             </a:xfrm>
             <a:custGeom>
               <a:avLst/>
               <a:pathLst>
-                <a:path w="6913543" h="0">
+                <a:path w="0" h="4048310">
                   <a:moveTo>
-                    <a:pt x="0" y="0"/>
+                    <a:pt x="0" y="4048310"/>
                   </a:moveTo>
                   <a:lnTo>
-                    <a:pt x="6913543" y="0"/>
+                    <a:pt x="0" y="0"/>
                   </a:lnTo>
                   <a:lnTo>
-                    <a:pt x="6913543" y="0"/>
+                    <a:pt x="0" y="0"/>
                   </a:lnTo>
                 </a:path>
               </a:pathLst>
@@ -3648,21 +3648,21 @@
           </p:nvSpPr>
           <p:spPr>
             <a:xfrm>
-              <a:off x="2023549" y="1886835"/>
-              <a:ext cx="6913543" cy="0"/>
+              <a:off x="5149925" y="1590617"/>
+              <a:ext cx="0" cy="4048310"/>
             </a:xfrm>
             <a:custGeom>
               <a:avLst/>
               <a:pathLst>
-                <a:path w="6913543" h="0">
+                <a:path w="0" h="4048310">
                   <a:moveTo>
-                    <a:pt x="0" y="0"/>
+                    <a:pt x="0" y="4048310"/>
                   </a:moveTo>
                   <a:lnTo>
-                    <a:pt x="6913543" y="0"/>
+                    <a:pt x="0" y="0"/>
                   </a:lnTo>
                   <a:lnTo>
-                    <a:pt x="6913543" y="0"/>
+                    <a:pt x="0" y="0"/>
                   </a:lnTo>
                 </a:path>
               </a:pathLst>
@@ -3691,7 +3691,7 @@
           </p:nvSpPr>
           <p:spPr>
             <a:xfrm>
-              <a:off x="2023549" y="1590617"/>
+              <a:off x="6713113" y="1590617"/>
               <a:ext cx="0" cy="4048310"/>
             </a:xfrm>
             <a:custGeom>
@@ -3734,7 +3734,7 @@
           </p:nvSpPr>
           <p:spPr>
             <a:xfrm>
-              <a:off x="4123296" y="1590617"/>
+              <a:off x="8276301" y="1590617"/>
               <a:ext cx="0" cy="4048310"/>
             </a:xfrm>
             <a:custGeom>
@@ -3771,40 +3771,23 @@
         </p:sp>
         <p:sp>
           <p:nvSpPr>
-            <p:cNvPr id="19" name="pl19"/>
+            <p:cNvPr id="19" name="rc19"/>
             <p:cNvSpPr/>
             <p:nvPr/>
           </p:nvSpPr>
           <p:spPr>
             <a:xfrm>
-              <a:off x="6223043" y="1590617"/>
-              <a:ext cx="0" cy="4048310"/>
+              <a:off x="2023549" y="1735199"/>
+              <a:ext cx="6777983" cy="867495"/>
             </a:xfrm>
-            <a:custGeom>
+            <a:prstGeom prst="rect">
               <a:avLst/>
-              <a:pathLst>
-                <a:path w="0" h="4048310">
-                  <a:moveTo>
-                    <a:pt x="0" y="4048310"/>
-                  </a:moveTo>
-                  <a:lnTo>
-                    <a:pt x="0" y="0"/>
-                  </a:lnTo>
-                  <a:lnTo>
-                    <a:pt x="0" y="0"/>
-                  </a:lnTo>
-                </a:path>
-              </a:pathLst>
-            </a:custGeom>
-            <a:ln w="6775" cap="flat">
-              <a:solidFill>
-                <a:srgbClr val="DEDEDE">
-                  <a:alpha val="100000"/>
-                </a:srgbClr>
-              </a:solidFill>
-              <a:prstDash val="solid"/>
-              <a:round/>
-            </a:ln>
+            </a:prstGeom>
+            <a:solidFill>
+              <a:srgbClr val="595959">
+                <a:alpha val="100000"/>
+              </a:srgbClr>
+            </a:solidFill>
           </p:spPr>
           <p:txBody>
             <a:bodyPr/>
@@ -3814,40 +3797,23 @@
         </p:sp>
         <p:sp>
           <p:nvSpPr>
-            <p:cNvPr id="20" name="pl20"/>
+            <p:cNvPr id="20" name="rc20"/>
             <p:cNvSpPr/>
             <p:nvPr/>
           </p:nvSpPr>
           <p:spPr>
             <a:xfrm>
-              <a:off x="8322790" y="1590617"/>
-              <a:ext cx="0" cy="4048310"/>
+              <a:off x="2023549" y="2699083"/>
+              <a:ext cx="2640224" cy="867495"/>
             </a:xfrm>
-            <a:custGeom>
+            <a:prstGeom prst="rect">
               <a:avLst/>
-              <a:pathLst>
-                <a:path w="0" h="4048310">
-                  <a:moveTo>
-                    <a:pt x="0" y="4048310"/>
-                  </a:moveTo>
-                  <a:lnTo>
-                    <a:pt x="0" y="0"/>
-                  </a:lnTo>
-                  <a:lnTo>
-                    <a:pt x="0" y="0"/>
-                  </a:lnTo>
-                </a:path>
-              </a:pathLst>
-            </a:custGeom>
-            <a:ln w="6775" cap="flat">
-              <a:solidFill>
-                <a:srgbClr val="DEDEDE">
-                  <a:alpha val="100000"/>
-                </a:srgbClr>
-              </a:solidFill>
-              <a:prstDash val="solid"/>
-              <a:round/>
-            </a:ln>
+            </a:prstGeom>
+            <a:solidFill>
+              <a:srgbClr val="595959">
+                <a:alpha val="100000"/>
+              </a:srgbClr>
+            </a:solidFill>
           </p:spPr>
           <p:txBody>
             <a:bodyPr/>
@@ -3863,8 +3829,8 @@
           </p:nvSpPr>
           <p:spPr>
             <a:xfrm>
-              <a:off x="2023549" y="1664671"/>
-              <a:ext cx="6777983" cy="444326"/>
+              <a:off x="2023549" y="3662966"/>
+              <a:ext cx="1599141" cy="867495"/>
             </a:xfrm>
             <a:prstGeom prst="rect">
               <a:avLst/>
@@ -3889,8 +3855,8 @@
           </p:nvSpPr>
           <p:spPr>
             <a:xfrm>
-              <a:off x="2023549" y="2158368"/>
-              <a:ext cx="5343856" cy="444326"/>
+              <a:off x="2023549" y="4626850"/>
+              <a:ext cx="1492844" cy="867495"/>
             </a:xfrm>
             <a:prstGeom prst="rect">
               <a:avLst/>
@@ -3909,170 +3875,14 @@
         </p:sp>
         <p:sp>
           <p:nvSpPr>
-            <p:cNvPr id="23" name="rc23"/>
+            <p:cNvPr id="23" name="tx23"/>
             <p:cNvSpPr/>
             <p:nvPr/>
           </p:nvSpPr>
           <p:spPr>
             <a:xfrm>
-              <a:off x="2023549" y="2652064"/>
-              <a:ext cx="2721272" cy="444326"/>
-            </a:xfrm>
-            <a:prstGeom prst="rect">
-              <a:avLst/>
-            </a:prstGeom>
-            <a:solidFill>
-              <a:srgbClr val="595959">
-                <a:alpha val="100000"/>
-              </a:srgbClr>
-            </a:solidFill>
-          </p:spPr>
-          <p:txBody>
-            <a:bodyPr/>
-            <a:lstStyle/>
-            <a:p/>
-          </p:txBody>
-        </p:sp>
-        <p:sp>
-          <p:nvSpPr>
-            <p:cNvPr id="24" name="rc24"/>
-            <p:cNvSpPr/>
-            <p:nvPr/>
-          </p:nvSpPr>
-          <p:spPr>
-            <a:xfrm>
-              <a:off x="2023549" y="3145760"/>
-              <a:ext cx="2181637" cy="444326"/>
-            </a:xfrm>
-            <a:prstGeom prst="rect">
-              <a:avLst/>
-            </a:prstGeom>
-            <a:solidFill>
-              <a:srgbClr val="595959">
-                <a:alpha val="100000"/>
-              </a:srgbClr>
-            </a:solidFill>
-          </p:spPr>
-          <p:txBody>
-            <a:bodyPr/>
-            <a:lstStyle/>
-            <a:p/>
-          </p:txBody>
-        </p:sp>
-        <p:sp>
-          <p:nvSpPr>
-            <p:cNvPr id="25" name="rc25"/>
-            <p:cNvSpPr/>
-            <p:nvPr/>
-          </p:nvSpPr>
-          <p:spPr>
-            <a:xfrm>
-              <a:off x="2023549" y="3639457"/>
-              <a:ext cx="1893971" cy="444326"/>
-            </a:xfrm>
-            <a:prstGeom prst="rect">
-              <a:avLst/>
-            </a:prstGeom>
-            <a:solidFill>
-              <a:srgbClr val="595959">
-                <a:alpha val="100000"/>
-              </a:srgbClr>
-            </a:solidFill>
-          </p:spPr>
-          <p:txBody>
-            <a:bodyPr/>
-            <a:lstStyle/>
-            <a:p/>
-          </p:txBody>
-        </p:sp>
-        <p:sp>
-          <p:nvSpPr>
-            <p:cNvPr id="26" name="rc26"/>
-            <p:cNvSpPr/>
-            <p:nvPr/>
-          </p:nvSpPr>
-          <p:spPr>
-            <a:xfrm>
-              <a:off x="2023549" y="4133153"/>
-              <a:ext cx="1432027" cy="444326"/>
-            </a:xfrm>
-            <a:prstGeom prst="rect">
-              <a:avLst/>
-            </a:prstGeom>
-            <a:solidFill>
-              <a:srgbClr val="595959">
-                <a:alpha val="100000"/>
-              </a:srgbClr>
-            </a:solidFill>
-          </p:spPr>
-          <p:txBody>
-            <a:bodyPr/>
-            <a:lstStyle/>
-            <a:p/>
-          </p:txBody>
-        </p:sp>
-        <p:sp>
-          <p:nvSpPr>
-            <p:cNvPr id="27" name="rc27"/>
-            <p:cNvSpPr/>
-            <p:nvPr/>
-          </p:nvSpPr>
-          <p:spPr>
-            <a:xfrm>
-              <a:off x="2023549" y="4626850"/>
-              <a:ext cx="1047773" cy="444326"/>
-            </a:xfrm>
-            <a:prstGeom prst="rect">
-              <a:avLst/>
-            </a:prstGeom>
-            <a:solidFill>
-              <a:srgbClr val="595959">
-                <a:alpha val="100000"/>
-              </a:srgbClr>
-            </a:solidFill>
-          </p:spPr>
-          <p:txBody>
-            <a:bodyPr/>
-            <a:lstStyle/>
-            <a:p/>
-          </p:txBody>
-        </p:sp>
-        <p:sp>
-          <p:nvSpPr>
-            <p:cNvPr id="28" name="rc28"/>
-            <p:cNvSpPr/>
-            <p:nvPr/>
-          </p:nvSpPr>
-          <p:spPr>
-            <a:xfrm>
-              <a:off x="2023549" y="5120546"/>
-              <a:ext cx="667719" cy="444326"/>
-            </a:xfrm>
-            <a:prstGeom prst="rect">
-              <a:avLst/>
-            </a:prstGeom>
-            <a:solidFill>
-              <a:srgbClr val="595959">
-                <a:alpha val="100000"/>
-              </a:srgbClr>
-            </a:solidFill>
-          </p:spPr>
-          <p:txBody>
-            <a:bodyPr/>
-            <a:lstStyle/>
-            <a:p/>
-          </p:txBody>
-        </p:sp>
-        <p:sp>
-          <p:nvSpPr>
-            <p:cNvPr id="29" name="tx29"/>
-            <p:cNvSpPr/>
-            <p:nvPr/>
-          </p:nvSpPr>
-          <p:spPr>
-            <a:xfrm>
-              <a:off x="6453574" y="1842361"/>
-              <a:ext cx="2195201" cy="67753"/>
+              <a:off x="8181581" y="2124473"/>
+              <a:ext cx="487822" cy="67753"/>
             </a:xfrm>
             <a:prstGeom prst="rect">
               <a:avLst/>
@@ -4104,67 +3914,21 @@
                   <a:latin typeface="Arial"/>
                   <a:cs typeface="Arial"/>
                 </a:rPr>
-                <a:t>日常消费行为（如常年饮用酸奶，以益生菌相关产品为零食）</a:t>
+                <a:t>国产知名品牌</a:t>
               </a:r>
             </a:p>
           </p:txBody>
         </p:sp>
         <p:sp>
           <p:nvSpPr>
-            <p:cNvPr id="30" name="tx30"/>
+            <p:cNvPr id="24" name="tx24"/>
             <p:cNvSpPr/>
             <p:nvPr/>
           </p:nvSpPr>
           <p:spPr>
             <a:xfrm>
-              <a:off x="5669877" y="2336057"/>
-              <a:ext cx="1544771" cy="67753"/>
-            </a:xfrm>
-            <a:prstGeom prst="rect">
-              <a:avLst/>
-            </a:prstGeom>
-            <a:noFill/>
-          </p:spPr>
-          <p:txBody>
-            <a:bodyPr lIns="0" rIns="0" tIns="0" bIns="0" anchorCtr="1" anchor="ctr" wrap="none"/>
-            <a:lstStyle/>
-            <a:p>
-              <a:pPr algn="l" marL="0" marR="0" indent="0">
-                <a:lnSpc>
-                  <a:spcPts val="853"/>
-                </a:lnSpc>
-                <a:spcBef>
-                  <a:spcPts val="0"/>
-                </a:spcBef>
-                <a:spcAft>
-                  <a:spcPts val="0"/>
-                </a:spcAft>
-              </a:pPr>
-              <a:r>
-                <a:rPr sz="853" b="1">
-                  <a:solidFill>
-                    <a:srgbClr val="FFFFFF">
-                      <a:alpha val="100000"/>
-                    </a:srgbClr>
-                  </a:solidFill>
-                  <a:latin typeface="Arial"/>
-                  <a:cs typeface="Arial"/>
-                </a:rPr>
-                <a:t>因肠胃健康需求（如肠胃调理，辅助抗幽）</a:t>
-              </a:r>
-            </a:p>
-          </p:txBody>
-        </p:sp>
-        <p:sp>
-          <p:nvSpPr>
-            <p:cNvPr id="31" name="tx31"/>
-            <p:cNvSpPr/>
-            <p:nvPr/>
-          </p:nvSpPr>
-          <p:spPr>
-            <a:xfrm>
-              <a:off x="4897578" y="2845274"/>
-              <a:ext cx="1544771" cy="67753"/>
+              <a:off x="4795902" y="3103876"/>
+              <a:ext cx="731733" cy="67753"/>
             </a:xfrm>
             <a:prstGeom prst="rect">
               <a:avLst/>
@@ -4196,21 +3960,21 @@
                   <a:latin typeface="Arial"/>
                   <a:cs typeface="Arial"/>
                 </a:rPr>
-                <a:t>因改善代谢需求（如纤体减脂，增强耐力）</a:t>
+                <a:t>海淘进口的其他品牌</a:t>
               </a:r>
             </a:p>
           </p:txBody>
         </p:sp>
         <p:sp>
           <p:nvSpPr>
-            <p:cNvPr id="32" name="tx32"/>
+            <p:cNvPr id="25" name="tx25"/>
             <p:cNvSpPr/>
             <p:nvPr/>
           </p:nvSpPr>
           <p:spPr>
             <a:xfrm>
-              <a:off x="4357943" y="3338970"/>
-              <a:ext cx="1544771" cy="67753"/>
+              <a:off x="3754819" y="4067760"/>
+              <a:ext cx="487822" cy="67753"/>
             </a:xfrm>
             <a:prstGeom prst="rect">
               <a:avLst/>
@@ -4242,21 +4006,21 @@
                   <a:latin typeface="Arial"/>
                   <a:cs typeface="Arial"/>
                 </a:rPr>
-                <a:t>因口腔保健需求（如控龋除臭，抑制溃疡）</a:t>
+                <a:t>国产新兴品牌</a:t>
               </a:r>
             </a:p>
           </p:txBody>
         </p:sp>
         <p:sp>
           <p:nvSpPr>
-            <p:cNvPr id="33" name="tx33"/>
+            <p:cNvPr id="26" name="tx26"/>
             <p:cNvSpPr/>
             <p:nvPr/>
           </p:nvSpPr>
           <p:spPr>
             <a:xfrm>
-              <a:off x="4070277" y="3832666"/>
-              <a:ext cx="1544771" cy="67753"/>
+              <a:off x="3648522" y="5031643"/>
+              <a:ext cx="731733" cy="67753"/>
             </a:xfrm>
             <a:prstGeom prst="rect">
               <a:avLst/>
@@ -4288,152 +4052,14 @@
                   <a:latin typeface="Arial"/>
                   <a:cs typeface="Arial"/>
                 </a:rPr>
-                <a:t>因舒缓过敏需求（如疏痒抗敏，缓解鼻炎）</a:t>
+                <a:t>海淘进口的知名品牌</a:t>
               </a:r>
             </a:p>
           </p:txBody>
         </p:sp>
         <p:sp>
           <p:nvSpPr>
-            <p:cNvPr id="34" name="tx34"/>
-            <p:cNvSpPr/>
-            <p:nvPr/>
-          </p:nvSpPr>
-          <p:spPr>
-            <a:xfrm>
-              <a:off x="3608333" y="4326363"/>
-              <a:ext cx="1544771" cy="67753"/>
-            </a:xfrm>
-            <a:prstGeom prst="rect">
-              <a:avLst/>
-            </a:prstGeom>
-            <a:noFill/>
-          </p:spPr>
-          <p:txBody>
-            <a:bodyPr lIns="0" rIns="0" tIns="0" bIns="0" anchorCtr="1" anchor="ctr" wrap="none"/>
-            <a:lstStyle/>
-            <a:p>
-              <a:pPr algn="l" marL="0" marR="0" indent="0">
-                <a:lnSpc>
-                  <a:spcPts val="853"/>
-                </a:lnSpc>
-                <a:spcBef>
-                  <a:spcPts val="0"/>
-                </a:spcBef>
-                <a:spcAft>
-                  <a:spcPts val="0"/>
-                </a:spcAft>
-              </a:pPr>
-              <a:r>
-                <a:rPr sz="853">
-                  <a:solidFill>
-                    <a:srgbClr val="000000">
-                      <a:alpha val="100000"/>
-                    </a:srgbClr>
-                  </a:solidFill>
-                  <a:latin typeface="Arial"/>
-                  <a:cs typeface="Arial"/>
-                </a:rPr>
-                <a:t>因女性健康需求（如私处护理，乳腺抗炎）</a:t>
-              </a:r>
-            </a:p>
-          </p:txBody>
-        </p:sp>
-        <p:sp>
-          <p:nvSpPr>
-            <p:cNvPr id="35" name="tx35"/>
-            <p:cNvSpPr/>
-            <p:nvPr/>
-          </p:nvSpPr>
-          <p:spPr>
-            <a:xfrm>
-              <a:off x="3224079" y="4820059"/>
-              <a:ext cx="1544771" cy="67753"/>
-            </a:xfrm>
-            <a:prstGeom prst="rect">
-              <a:avLst/>
-            </a:prstGeom>
-            <a:noFill/>
-          </p:spPr>
-          <p:txBody>
-            <a:bodyPr lIns="0" rIns="0" tIns="0" bIns="0" anchorCtr="1" anchor="ctr" wrap="none"/>
-            <a:lstStyle/>
-            <a:p>
-              <a:pPr algn="l" marL="0" marR="0" indent="0">
-                <a:lnSpc>
-                  <a:spcPts val="853"/>
-                </a:lnSpc>
-                <a:spcBef>
-                  <a:spcPts val="0"/>
-                </a:spcBef>
-                <a:spcAft>
-                  <a:spcPts val="0"/>
-                </a:spcAft>
-              </a:pPr>
-              <a:r>
-                <a:rPr sz="853">
-                  <a:solidFill>
-                    <a:srgbClr val="000000">
-                      <a:alpha val="100000"/>
-                    </a:srgbClr>
-                  </a:solidFill>
-                  <a:latin typeface="Arial"/>
-                  <a:cs typeface="Arial"/>
-                </a:rPr>
-                <a:t>因精神调节需求（如抵抗抑郁，降低自闭）</a:t>
-              </a:r>
-            </a:p>
-          </p:txBody>
-        </p:sp>
-        <p:sp>
-          <p:nvSpPr>
-            <p:cNvPr id="36" name="tx36"/>
-            <p:cNvSpPr/>
-            <p:nvPr/>
-          </p:nvSpPr>
-          <p:spPr>
-            <a:xfrm>
-              <a:off x="2844025" y="5313756"/>
-              <a:ext cx="1544771" cy="67753"/>
-            </a:xfrm>
-            <a:prstGeom prst="rect">
-              <a:avLst/>
-            </a:prstGeom>
-            <a:noFill/>
-          </p:spPr>
-          <p:txBody>
-            <a:bodyPr lIns="0" rIns="0" tIns="0" bIns="0" anchorCtr="1" anchor="ctr" wrap="none"/>
-            <a:lstStyle/>
-            <a:p>
-              <a:pPr algn="l" marL="0" marR="0" indent="0">
-                <a:lnSpc>
-                  <a:spcPts val="853"/>
-                </a:lnSpc>
-                <a:spcBef>
-                  <a:spcPts val="0"/>
-                </a:spcBef>
-                <a:spcAft>
-                  <a:spcPts val="0"/>
-                </a:spcAft>
-              </a:pPr>
-              <a:r>
-                <a:rPr sz="853">
-                  <a:solidFill>
-                    <a:srgbClr val="000000">
-                      <a:alpha val="100000"/>
-                    </a:srgbClr>
-                  </a:solidFill>
-                  <a:latin typeface="Arial"/>
-                  <a:cs typeface="Arial"/>
-                </a:rPr>
-                <a:t>因治疗辅助需求（如辅助抗癌，干预肠炎）</a:t>
-              </a:r>
-            </a:p>
-          </p:txBody>
-        </p:sp>
-        <p:sp>
-          <p:nvSpPr>
-            <p:cNvPr id="37" name="rc37"/>
+            <p:cNvPr id="27" name="rc27"/>
             <p:cNvSpPr/>
             <p:nvPr/>
           </p:nvSpPr>
@@ -4463,197 +4089,13 @@
         </p:sp>
         <p:sp>
           <p:nvSpPr>
-            <p:cNvPr id="38" name="tx38"/>
+            <p:cNvPr id="28" name="tx28"/>
             <p:cNvSpPr/>
             <p:nvPr/>
           </p:nvSpPr>
           <p:spPr>
             <a:xfrm>
-              <a:off x="1926599" y="5300963"/>
-              <a:ext cx="62155" cy="81746"/>
-            </a:xfrm>
-            <a:prstGeom prst="rect">
-              <a:avLst/>
-            </a:prstGeom>
-            <a:noFill/>
-          </p:spPr>
-          <p:txBody>
-            <a:bodyPr lIns="0" rIns="0" tIns="0" bIns="0" anchorCtr="1" anchor="ctr" wrap="none"/>
-            <a:lstStyle/>
-            <a:p>
-              <a:pPr algn="l" marL="0" marR="0" indent="0">
-                <a:lnSpc>
-                  <a:spcPts val="880"/>
-                </a:lnSpc>
-                <a:spcBef>
-                  <a:spcPts val="0"/>
-                </a:spcBef>
-                <a:spcAft>
-                  <a:spcPts val="0"/>
-                </a:spcAft>
-              </a:pPr>
-              <a:r>
-                <a:rPr sz="880" b="1">
-                  <a:solidFill>
-                    <a:srgbClr val="4D4D4D">
-                      <a:alpha val="100000"/>
-                    </a:srgbClr>
-                  </a:solidFill>
-                  <a:latin typeface="Arial"/>
-                  <a:cs typeface="Arial"/>
-                </a:rPr>
-                <a:t>8</a:t>
-              </a:r>
-            </a:p>
-          </p:txBody>
-        </p:sp>
-        <p:sp>
-          <p:nvSpPr>
-            <p:cNvPr id="39" name="tx39"/>
-            <p:cNvSpPr/>
-            <p:nvPr/>
-          </p:nvSpPr>
-          <p:spPr>
-            <a:xfrm>
-              <a:off x="1926599" y="4810105"/>
-              <a:ext cx="62155" cy="78908"/>
-            </a:xfrm>
-            <a:prstGeom prst="rect">
-              <a:avLst/>
-            </a:prstGeom>
-            <a:noFill/>
-          </p:spPr>
-          <p:txBody>
-            <a:bodyPr lIns="0" rIns="0" tIns="0" bIns="0" anchorCtr="1" anchor="ctr" wrap="none"/>
-            <a:lstStyle/>
-            <a:p>
-              <a:pPr algn="l" marL="0" marR="0" indent="0">
-                <a:lnSpc>
-                  <a:spcPts val="880"/>
-                </a:lnSpc>
-                <a:spcBef>
-                  <a:spcPts val="0"/>
-                </a:spcBef>
-                <a:spcAft>
-                  <a:spcPts val="0"/>
-                </a:spcAft>
-              </a:pPr>
-              <a:r>
-                <a:rPr sz="880" b="1">
-                  <a:solidFill>
-                    <a:srgbClr val="4D4D4D">
-                      <a:alpha val="100000"/>
-                    </a:srgbClr>
-                  </a:solidFill>
-                  <a:latin typeface="Arial"/>
-                  <a:cs typeface="Arial"/>
-                </a:rPr>
-                <a:t>7</a:t>
-              </a:r>
-            </a:p>
-          </p:txBody>
-        </p:sp>
-        <p:sp>
-          <p:nvSpPr>
-            <p:cNvPr id="40" name="tx40"/>
-            <p:cNvSpPr/>
-            <p:nvPr/>
-          </p:nvSpPr>
-          <p:spPr>
-            <a:xfrm>
-              <a:off x="1926599" y="4313625"/>
-              <a:ext cx="62155" cy="81691"/>
-            </a:xfrm>
-            <a:prstGeom prst="rect">
-              <a:avLst/>
-            </a:prstGeom>
-            <a:noFill/>
-          </p:spPr>
-          <p:txBody>
-            <a:bodyPr lIns="0" rIns="0" tIns="0" bIns="0" anchorCtr="1" anchor="ctr" wrap="none"/>
-            <a:lstStyle/>
-            <a:p>
-              <a:pPr algn="l" marL="0" marR="0" indent="0">
-                <a:lnSpc>
-                  <a:spcPts val="880"/>
-                </a:lnSpc>
-                <a:spcBef>
-                  <a:spcPts val="0"/>
-                </a:spcBef>
-                <a:spcAft>
-                  <a:spcPts val="0"/>
-                </a:spcAft>
-              </a:pPr>
-              <a:r>
-                <a:rPr sz="880" b="1">
-                  <a:solidFill>
-                    <a:srgbClr val="4D4D4D">
-                      <a:alpha val="100000"/>
-                    </a:srgbClr>
-                  </a:solidFill>
-                  <a:latin typeface="Arial"/>
-                  <a:cs typeface="Arial"/>
-                </a:rPr>
-                <a:t>6</a:t>
-              </a:r>
-            </a:p>
-          </p:txBody>
-        </p:sp>
-        <p:sp>
-          <p:nvSpPr>
-            <p:cNvPr id="41" name="tx41"/>
-            <p:cNvSpPr/>
-            <p:nvPr/>
-          </p:nvSpPr>
-          <p:spPr>
-            <a:xfrm>
-              <a:off x="1926599" y="3821347"/>
-              <a:ext cx="62155" cy="80272"/>
-            </a:xfrm>
-            <a:prstGeom prst="rect">
-              <a:avLst/>
-            </a:prstGeom>
-            <a:noFill/>
-          </p:spPr>
-          <p:txBody>
-            <a:bodyPr lIns="0" rIns="0" tIns="0" bIns="0" anchorCtr="1" anchor="ctr" wrap="none"/>
-            <a:lstStyle/>
-            <a:p>
-              <a:pPr algn="l" marL="0" marR="0" indent="0">
-                <a:lnSpc>
-                  <a:spcPts val="880"/>
-                </a:lnSpc>
-                <a:spcBef>
-                  <a:spcPts val="0"/>
-                </a:spcBef>
-                <a:spcAft>
-                  <a:spcPts val="0"/>
-                </a:spcAft>
-              </a:pPr>
-              <a:r>
-                <a:rPr sz="880" b="1">
-                  <a:solidFill>
-                    <a:srgbClr val="4D4D4D">
-                      <a:alpha val="100000"/>
-                    </a:srgbClr>
-                  </a:solidFill>
-                  <a:latin typeface="Arial"/>
-                  <a:cs typeface="Arial"/>
-                </a:rPr>
-                <a:t>5</a:t>
-              </a:r>
-            </a:p>
-          </p:txBody>
-        </p:sp>
-        <p:sp>
-          <p:nvSpPr>
-            <p:cNvPr id="42" name="tx42"/>
-            <p:cNvSpPr/>
-            <p:nvPr/>
-          </p:nvSpPr>
-          <p:spPr>
-            <a:xfrm>
-              <a:off x="1926599" y="3327596"/>
+              <a:off x="1926599" y="5020270"/>
               <a:ext cx="62155" cy="80327"/>
             </a:xfrm>
             <a:prstGeom prst="rect">
@@ -4693,13 +4135,13 @@
         </p:sp>
         <p:sp>
           <p:nvSpPr>
-            <p:cNvPr id="43" name="tx43"/>
+            <p:cNvPr id="29" name="tx29"/>
             <p:cNvSpPr/>
             <p:nvPr/>
           </p:nvSpPr>
           <p:spPr>
             <a:xfrm>
-              <a:off x="1926599" y="2832536"/>
+              <a:off x="1926599" y="4055022"/>
               <a:ext cx="62155" cy="81691"/>
             </a:xfrm>
             <a:prstGeom prst="rect">
@@ -4739,13 +4181,13 @@
         </p:sp>
         <p:sp>
           <p:nvSpPr>
-            <p:cNvPr id="44" name="tx44"/>
+            <p:cNvPr id="30" name="tx30"/>
             <p:cNvSpPr/>
             <p:nvPr/>
           </p:nvSpPr>
           <p:spPr>
             <a:xfrm>
-              <a:off x="1926599" y="2340204"/>
+              <a:off x="1926599" y="3092503"/>
               <a:ext cx="62155" cy="80327"/>
             </a:xfrm>
             <a:prstGeom prst="rect">
@@ -4785,13 +4227,13 @@
         </p:sp>
         <p:sp>
           <p:nvSpPr>
-            <p:cNvPr id="45" name="tx45"/>
+            <p:cNvPr id="31" name="tx31"/>
             <p:cNvSpPr/>
             <p:nvPr/>
           </p:nvSpPr>
           <p:spPr>
             <a:xfrm>
-              <a:off x="1926599" y="1846507"/>
+              <a:off x="1926599" y="2128619"/>
               <a:ext cx="62155" cy="80327"/>
             </a:xfrm>
             <a:prstGeom prst="rect">
@@ -4831,13 +4273,13 @@
         </p:sp>
         <p:sp>
           <p:nvSpPr>
-            <p:cNvPr id="46" name="pl46"/>
+            <p:cNvPr id="32" name="pl32"/>
             <p:cNvSpPr/>
             <p:nvPr/>
           </p:nvSpPr>
           <p:spPr>
             <a:xfrm>
-              <a:off x="1988754" y="5342710"/>
+              <a:off x="1988754" y="5060597"/>
               <a:ext cx="34794" cy="0"/>
             </a:xfrm>
             <a:custGeom>
@@ -4871,13 +4313,13 @@
         </p:sp>
         <p:sp>
           <p:nvSpPr>
-            <p:cNvPr id="47" name="pl47"/>
+            <p:cNvPr id="33" name="pl33"/>
             <p:cNvSpPr/>
             <p:nvPr/>
           </p:nvSpPr>
           <p:spPr>
             <a:xfrm>
-              <a:off x="1988754" y="4849013"/>
+              <a:off x="1988754" y="4096714"/>
               <a:ext cx="34794" cy="0"/>
             </a:xfrm>
             <a:custGeom>
@@ -4911,13 +4353,13 @@
         </p:sp>
         <p:sp>
           <p:nvSpPr>
-            <p:cNvPr id="48" name="pl48"/>
+            <p:cNvPr id="34" name="pl34"/>
             <p:cNvSpPr/>
             <p:nvPr/>
           </p:nvSpPr>
           <p:spPr>
             <a:xfrm>
-              <a:off x="1988754" y="4355317"/>
+              <a:off x="1988754" y="3132830"/>
               <a:ext cx="34794" cy="0"/>
             </a:xfrm>
             <a:custGeom>
@@ -4951,13 +4393,13 @@
         </p:sp>
         <p:sp>
           <p:nvSpPr>
-            <p:cNvPr id="49" name="pl49"/>
+            <p:cNvPr id="35" name="pl35"/>
             <p:cNvSpPr/>
             <p:nvPr/>
           </p:nvSpPr>
           <p:spPr>
             <a:xfrm>
-              <a:off x="1988754" y="3861620"/>
+              <a:off x="1988754" y="2168947"/>
               <a:ext cx="34794" cy="0"/>
             </a:xfrm>
             <a:custGeom>
@@ -4991,167 +4433,7 @@
         </p:sp>
         <p:sp>
           <p:nvSpPr>
-            <p:cNvPr id="50" name="pl50"/>
-            <p:cNvSpPr/>
-            <p:nvPr/>
-          </p:nvSpPr>
-          <p:spPr>
-            <a:xfrm>
-              <a:off x="1988754" y="3367924"/>
-              <a:ext cx="34794" cy="0"/>
-            </a:xfrm>
-            <a:custGeom>
-              <a:avLst/>
-              <a:pathLst>
-                <a:path w="34794" h="0">
-                  <a:moveTo>
-                    <a:pt x="0" y="0"/>
-                  </a:moveTo>
-                  <a:lnTo>
-                    <a:pt x="34794" y="0"/>
-                  </a:lnTo>
-                </a:path>
-              </a:pathLst>
-            </a:custGeom>
-            <a:ln w="6775" cap="flat">
-              <a:solidFill>
-                <a:srgbClr val="B3B3B3">
-                  <a:alpha val="100000"/>
-                </a:srgbClr>
-              </a:solidFill>
-              <a:prstDash val="solid"/>
-              <a:round/>
-            </a:ln>
-          </p:spPr>
-          <p:txBody>
-            <a:bodyPr/>
-            <a:lstStyle/>
-            <a:p/>
-          </p:txBody>
-        </p:sp>
-        <p:sp>
-          <p:nvSpPr>
-            <p:cNvPr id="51" name="pl51"/>
-            <p:cNvSpPr/>
-            <p:nvPr/>
-          </p:nvSpPr>
-          <p:spPr>
-            <a:xfrm>
-              <a:off x="1988754" y="2874227"/>
-              <a:ext cx="34794" cy="0"/>
-            </a:xfrm>
-            <a:custGeom>
-              <a:avLst/>
-              <a:pathLst>
-                <a:path w="34794" h="0">
-                  <a:moveTo>
-                    <a:pt x="0" y="0"/>
-                  </a:moveTo>
-                  <a:lnTo>
-                    <a:pt x="34794" y="0"/>
-                  </a:lnTo>
-                </a:path>
-              </a:pathLst>
-            </a:custGeom>
-            <a:ln w="6775" cap="flat">
-              <a:solidFill>
-                <a:srgbClr val="B3B3B3">
-                  <a:alpha val="100000"/>
-                </a:srgbClr>
-              </a:solidFill>
-              <a:prstDash val="solid"/>
-              <a:round/>
-            </a:ln>
-          </p:spPr>
-          <p:txBody>
-            <a:bodyPr/>
-            <a:lstStyle/>
-            <a:p/>
-          </p:txBody>
-        </p:sp>
-        <p:sp>
-          <p:nvSpPr>
-            <p:cNvPr id="52" name="pl52"/>
-            <p:cNvSpPr/>
-            <p:nvPr/>
-          </p:nvSpPr>
-          <p:spPr>
-            <a:xfrm>
-              <a:off x="1988754" y="2380531"/>
-              <a:ext cx="34794" cy="0"/>
-            </a:xfrm>
-            <a:custGeom>
-              <a:avLst/>
-              <a:pathLst>
-                <a:path w="34794" h="0">
-                  <a:moveTo>
-                    <a:pt x="0" y="0"/>
-                  </a:moveTo>
-                  <a:lnTo>
-                    <a:pt x="34794" y="0"/>
-                  </a:lnTo>
-                </a:path>
-              </a:pathLst>
-            </a:custGeom>
-            <a:ln w="6775" cap="flat">
-              <a:solidFill>
-                <a:srgbClr val="B3B3B3">
-                  <a:alpha val="100000"/>
-                </a:srgbClr>
-              </a:solidFill>
-              <a:prstDash val="solid"/>
-              <a:round/>
-            </a:ln>
-          </p:spPr>
-          <p:txBody>
-            <a:bodyPr/>
-            <a:lstStyle/>
-            <a:p/>
-          </p:txBody>
-        </p:sp>
-        <p:sp>
-          <p:nvSpPr>
-            <p:cNvPr id="53" name="pl53"/>
-            <p:cNvSpPr/>
-            <p:nvPr/>
-          </p:nvSpPr>
-          <p:spPr>
-            <a:xfrm>
-              <a:off x="1988754" y="1886835"/>
-              <a:ext cx="34794" cy="0"/>
-            </a:xfrm>
-            <a:custGeom>
-              <a:avLst/>
-              <a:pathLst>
-                <a:path w="34794" h="0">
-                  <a:moveTo>
-                    <a:pt x="0" y="0"/>
-                  </a:moveTo>
-                  <a:lnTo>
-                    <a:pt x="34794" y="0"/>
-                  </a:lnTo>
-                </a:path>
-              </a:pathLst>
-            </a:custGeom>
-            <a:ln w="6775" cap="flat">
-              <a:solidFill>
-                <a:srgbClr val="B3B3B3">
-                  <a:alpha val="100000"/>
-                </a:srgbClr>
-              </a:solidFill>
-              <a:prstDash val="solid"/>
-              <a:round/>
-            </a:ln>
-          </p:spPr>
-          <p:txBody>
-            <a:bodyPr/>
-            <a:lstStyle/>
-            <a:p/>
-          </p:txBody>
-        </p:sp>
-        <p:sp>
-          <p:nvSpPr>
-            <p:cNvPr id="54" name="pl54"/>
+            <p:cNvPr id="36" name="pl36"/>
             <p:cNvSpPr/>
             <p:nvPr/>
           </p:nvSpPr>
@@ -5191,13 +4473,13 @@
         </p:sp>
         <p:sp>
           <p:nvSpPr>
-            <p:cNvPr id="55" name="pl55"/>
+            <p:cNvPr id="37" name="pl37"/>
             <p:cNvSpPr/>
             <p:nvPr/>
           </p:nvSpPr>
           <p:spPr>
             <a:xfrm>
-              <a:off x="4123296" y="5638927"/>
+              <a:off x="3586737" y="5638927"/>
               <a:ext cx="0" cy="34794"/>
             </a:xfrm>
             <a:custGeom>
@@ -5231,13 +4513,13 @@
         </p:sp>
         <p:sp>
           <p:nvSpPr>
-            <p:cNvPr id="56" name="pl56"/>
+            <p:cNvPr id="38" name="pl38"/>
             <p:cNvSpPr/>
             <p:nvPr/>
           </p:nvSpPr>
           <p:spPr>
             <a:xfrm>
-              <a:off x="6223043" y="5638927"/>
+              <a:off x="5149925" y="5638927"/>
               <a:ext cx="0" cy="34794"/>
             </a:xfrm>
             <a:custGeom>
@@ -5271,13 +4553,13 @@
         </p:sp>
         <p:sp>
           <p:nvSpPr>
-            <p:cNvPr id="57" name="pl57"/>
+            <p:cNvPr id="39" name="pl39"/>
             <p:cNvSpPr/>
             <p:nvPr/>
           </p:nvSpPr>
           <p:spPr>
             <a:xfrm>
-              <a:off x="8322790" y="5638927"/>
+              <a:off x="6713113" y="5638927"/>
               <a:ext cx="0" cy="34794"/>
             </a:xfrm>
             <a:custGeom>
@@ -5311,7 +4593,47 @@
         </p:sp>
         <p:sp>
           <p:nvSpPr>
-            <p:cNvPr id="58" name="tx58"/>
+            <p:cNvPr id="40" name="pl40"/>
+            <p:cNvSpPr/>
+            <p:nvPr/>
+          </p:nvSpPr>
+          <p:spPr>
+            <a:xfrm>
+              <a:off x="8276301" y="5638927"/>
+              <a:ext cx="0" cy="34794"/>
+            </a:xfrm>
+            <a:custGeom>
+              <a:avLst/>
+              <a:pathLst>
+                <a:path w="0" h="34794">
+                  <a:moveTo>
+                    <a:pt x="0" y="34794"/>
+                  </a:moveTo>
+                  <a:lnTo>
+                    <a:pt x="0" y="0"/>
+                  </a:lnTo>
+                </a:path>
+              </a:pathLst>
+            </a:custGeom>
+            <a:ln w="6775" cap="flat">
+              <a:solidFill>
+                <a:srgbClr val="B3B3B3">
+                  <a:alpha val="100000"/>
+                </a:srgbClr>
+              </a:solidFill>
+              <a:prstDash val="solid"/>
+              <a:round/>
+            </a:ln>
+          </p:spPr>
+          <p:txBody>
+            <a:bodyPr/>
+            <a:lstStyle/>
+            <a:p/>
+          </p:txBody>
+        </p:sp>
+        <p:sp>
+          <p:nvSpPr>
+            <p:cNvPr id="41" name="tx41"/>
             <p:cNvSpPr/>
             <p:nvPr/>
           </p:nvSpPr>
@@ -5357,13 +4679,13 @@
         </p:sp>
         <p:sp>
           <p:nvSpPr>
-            <p:cNvPr id="59" name="tx59"/>
+            <p:cNvPr id="42" name="tx42"/>
             <p:cNvSpPr/>
             <p:nvPr/>
           </p:nvSpPr>
           <p:spPr>
             <a:xfrm>
-              <a:off x="3998985" y="5699866"/>
+              <a:off x="3462426" y="5699866"/>
               <a:ext cx="248622" cy="81691"/>
             </a:xfrm>
             <a:prstGeom prst="rect">
@@ -5403,13 +4725,13 @@
         </p:sp>
         <p:sp>
           <p:nvSpPr>
-            <p:cNvPr id="60" name="tx60"/>
+            <p:cNvPr id="43" name="tx43"/>
             <p:cNvSpPr/>
             <p:nvPr/>
           </p:nvSpPr>
           <p:spPr>
             <a:xfrm>
-              <a:off x="6098732" y="5699866"/>
+              <a:off x="5025614" y="5699866"/>
               <a:ext cx="248622" cy="81691"/>
             </a:xfrm>
             <a:prstGeom prst="rect">
@@ -5449,13 +4771,13 @@
         </p:sp>
         <p:sp>
           <p:nvSpPr>
-            <p:cNvPr id="61" name="tx61"/>
+            <p:cNvPr id="44" name="tx44"/>
             <p:cNvSpPr/>
             <p:nvPr/>
           </p:nvSpPr>
           <p:spPr>
             <a:xfrm>
-              <a:off x="8198479" y="5699811"/>
+              <a:off x="6588802" y="5699811"/>
               <a:ext cx="248622" cy="81746"/>
             </a:xfrm>
             <a:prstGeom prst="rect">
@@ -5489,6 +4811,52 @@
                   <a:cs typeface="Arial"/>
                 </a:rPr>
                 <a:t>3000</a:t>
+              </a:r>
+            </a:p>
+          </p:txBody>
+        </p:sp>
+        <p:sp>
+          <p:nvSpPr>
+            <p:cNvPr id="45" name="tx45"/>
+            <p:cNvSpPr/>
+            <p:nvPr/>
+          </p:nvSpPr>
+          <p:spPr>
+            <a:xfrm>
+              <a:off x="8151990" y="5699866"/>
+              <a:ext cx="248622" cy="81691"/>
+            </a:xfrm>
+            <a:prstGeom prst="rect">
+              <a:avLst/>
+            </a:prstGeom>
+            <a:noFill/>
+          </p:spPr>
+          <p:txBody>
+            <a:bodyPr lIns="0" rIns="0" tIns="0" bIns="0" anchorCtr="1" anchor="ctr" wrap="none"/>
+            <a:lstStyle/>
+            <a:p>
+              <a:pPr algn="l" marL="0" marR="0" indent="0">
+                <a:lnSpc>
+                  <a:spcPts val="880"/>
+                </a:lnSpc>
+                <a:spcBef>
+                  <a:spcPts val="0"/>
+                </a:spcBef>
+                <a:spcAft>
+                  <a:spcPts val="0"/>
+                </a:spcAft>
+              </a:pPr>
+              <a:r>
+                <a:rPr sz="880">
+                  <a:solidFill>
+                    <a:srgbClr val="4D4D4D">
+                      <a:alpha val="100000"/>
+                    </a:srgbClr>
+                  </a:solidFill>
+                  <a:latin typeface="Arial"/>
+                  <a:cs typeface="Arial"/>
+                </a:rPr>
+                <a:t>4000</a:t>
               </a:r>
             </a:p>
           </p:txBody>

--- a/_book/plot/unnamed-chunk-64-1.pptx
+++ b/_book/plot/unnamed-chunk-64-1.pptx
@@ -3192,8 +3192,8 @@
           </p:nvSpPr>
           <p:spPr>
             <a:xfrm>
-              <a:off x="2019661" y="1590617"/>
-              <a:ext cx="6917431" cy="4055309"/>
+              <a:off x="2017917" y="1590617"/>
+              <a:ext cx="6919174" cy="4059006"/>
             </a:xfrm>
             <a:prstGeom prst="rect">
               <a:avLst/>
@@ -3218,15 +3218,15 @@
           </p:nvSpPr>
           <p:spPr>
             <a:xfrm>
-              <a:off x="2844697" y="1590617"/>
-              <a:ext cx="0" cy="4055309"/>
+              <a:off x="2843161" y="1590617"/>
+              <a:ext cx="0" cy="4059006"/>
             </a:xfrm>
             <a:custGeom>
               <a:avLst/>
               <a:pathLst>
-                <a:path w="0" h="4055309">
+                <a:path w="0" h="4059006">
                   <a:moveTo>
-                    <a:pt x="0" y="4055309"/>
+                    <a:pt x="0" y="4059006"/>
                   </a:moveTo>
                   <a:lnTo>
                     <a:pt x="0" y="0"/>
@@ -3261,15 +3261,15 @@
           </p:nvSpPr>
           <p:spPr>
             <a:xfrm>
-              <a:off x="4494768" y="1590617"/>
-              <a:ext cx="0" cy="4055309"/>
+              <a:off x="4493649" y="1590617"/>
+              <a:ext cx="0" cy="4059006"/>
             </a:xfrm>
             <a:custGeom>
               <a:avLst/>
               <a:pathLst>
-                <a:path w="0" h="4055309">
+                <a:path w="0" h="4059006">
                   <a:moveTo>
-                    <a:pt x="0" y="4055309"/>
+                    <a:pt x="0" y="4059006"/>
                   </a:moveTo>
                   <a:lnTo>
                     <a:pt x="0" y="0"/>
@@ -3304,15 +3304,15 @@
           </p:nvSpPr>
           <p:spPr>
             <a:xfrm>
-              <a:off x="6144840" y="1590617"/>
-              <a:ext cx="0" cy="4055309"/>
+              <a:off x="6144137" y="1590617"/>
+              <a:ext cx="0" cy="4059006"/>
             </a:xfrm>
             <a:custGeom>
               <a:avLst/>
               <a:pathLst>
-                <a:path w="0" h="4055309">
+                <a:path w="0" h="4059006">
                   <a:moveTo>
-                    <a:pt x="0" y="4055309"/>
+                    <a:pt x="0" y="4059006"/>
                   </a:moveTo>
                   <a:lnTo>
                     <a:pt x="0" y="0"/>
@@ -3347,15 +3347,15 @@
           </p:nvSpPr>
           <p:spPr>
             <a:xfrm>
-              <a:off x="7794912" y="1590617"/>
-              <a:ext cx="0" cy="4055309"/>
+              <a:off x="7794624" y="1590617"/>
+              <a:ext cx="0" cy="4059006"/>
             </a:xfrm>
             <a:custGeom>
               <a:avLst/>
               <a:pathLst>
-                <a:path w="0" h="4055309">
+                <a:path w="0" h="4059006">
                   <a:moveTo>
-                    <a:pt x="0" y="4055309"/>
+                    <a:pt x="0" y="4059006"/>
                   </a:moveTo>
                   <a:lnTo>
                     <a:pt x="0" y="0"/>
@@ -3390,21 +3390,21 @@
           </p:nvSpPr>
           <p:spPr>
             <a:xfrm>
-              <a:off x="2019661" y="5307984"/>
-              <a:ext cx="6917431" cy="0"/>
+              <a:off x="2017917" y="5311373"/>
+              <a:ext cx="6919174" cy="0"/>
             </a:xfrm>
             <a:custGeom>
               <a:avLst/>
               <a:pathLst>
-                <a:path w="6917431" h="0">
+                <a:path w="6919174" h="0">
                   <a:moveTo>
                     <a:pt x="0" y="0"/>
                   </a:moveTo>
                   <a:lnTo>
-                    <a:pt x="6917431" y="0"/>
-                  </a:lnTo>
-                  <a:lnTo>
-                    <a:pt x="6917431" y="0"/>
+                    <a:pt x="6919174" y="0"/>
+                  </a:lnTo>
+                  <a:lnTo>
+                    <a:pt x="6919174" y="0"/>
                   </a:lnTo>
                 </a:path>
               </a:pathLst>
@@ -3433,21 +3433,21 @@
           </p:nvSpPr>
           <p:spPr>
             <a:xfrm>
-              <a:off x="2019661" y="4744746"/>
-              <a:ext cx="6917431" cy="0"/>
+              <a:off x="2017917" y="4747622"/>
+              <a:ext cx="6919174" cy="0"/>
             </a:xfrm>
             <a:custGeom>
               <a:avLst/>
               <a:pathLst>
-                <a:path w="6917431" h="0">
+                <a:path w="6919174" h="0">
                   <a:moveTo>
                     <a:pt x="0" y="0"/>
                   </a:moveTo>
                   <a:lnTo>
-                    <a:pt x="6917431" y="0"/>
-                  </a:lnTo>
-                  <a:lnTo>
-                    <a:pt x="6917431" y="0"/>
+                    <a:pt x="6919174" y="0"/>
+                  </a:lnTo>
+                  <a:lnTo>
+                    <a:pt x="6919174" y="0"/>
                   </a:lnTo>
                 </a:path>
               </a:pathLst>
@@ -3476,21 +3476,21 @@
           </p:nvSpPr>
           <p:spPr>
             <a:xfrm>
-              <a:off x="2019661" y="4181509"/>
-              <a:ext cx="6917431" cy="0"/>
+              <a:off x="2017917" y="4183871"/>
+              <a:ext cx="6919174" cy="0"/>
             </a:xfrm>
             <a:custGeom>
               <a:avLst/>
               <a:pathLst>
-                <a:path w="6917431" h="0">
+                <a:path w="6919174" h="0">
                   <a:moveTo>
                     <a:pt x="0" y="0"/>
                   </a:moveTo>
                   <a:lnTo>
-                    <a:pt x="6917431" y="0"/>
-                  </a:lnTo>
-                  <a:lnTo>
-                    <a:pt x="6917431" y="0"/>
+                    <a:pt x="6919174" y="0"/>
+                  </a:lnTo>
+                  <a:lnTo>
+                    <a:pt x="6919174" y="0"/>
                   </a:lnTo>
                 </a:path>
               </a:pathLst>
@@ -3519,21 +3519,21 @@
           </p:nvSpPr>
           <p:spPr>
             <a:xfrm>
-              <a:off x="2019661" y="3618271"/>
-              <a:ext cx="6917431" cy="0"/>
+              <a:off x="2017917" y="3620120"/>
+              <a:ext cx="6919174" cy="0"/>
             </a:xfrm>
             <a:custGeom>
               <a:avLst/>
               <a:pathLst>
-                <a:path w="6917431" h="0">
+                <a:path w="6919174" h="0">
                   <a:moveTo>
                     <a:pt x="0" y="0"/>
                   </a:moveTo>
                   <a:lnTo>
-                    <a:pt x="6917431" y="0"/>
-                  </a:lnTo>
-                  <a:lnTo>
-                    <a:pt x="6917431" y="0"/>
+                    <a:pt x="6919174" y="0"/>
+                  </a:lnTo>
+                  <a:lnTo>
+                    <a:pt x="6919174" y="0"/>
                   </a:lnTo>
                 </a:path>
               </a:pathLst>
@@ -3562,21 +3562,21 @@
           </p:nvSpPr>
           <p:spPr>
             <a:xfrm>
-              <a:off x="2019661" y="3055034"/>
-              <a:ext cx="6917431" cy="0"/>
+              <a:off x="2017917" y="3056369"/>
+              <a:ext cx="6919174" cy="0"/>
             </a:xfrm>
             <a:custGeom>
               <a:avLst/>
               <a:pathLst>
-                <a:path w="6917431" h="0">
+                <a:path w="6919174" h="0">
                   <a:moveTo>
                     <a:pt x="0" y="0"/>
                   </a:moveTo>
                   <a:lnTo>
-                    <a:pt x="6917431" y="0"/>
-                  </a:lnTo>
-                  <a:lnTo>
-                    <a:pt x="6917431" y="0"/>
+                    <a:pt x="6919174" y="0"/>
+                  </a:lnTo>
+                  <a:lnTo>
+                    <a:pt x="6919174" y="0"/>
                   </a:lnTo>
                 </a:path>
               </a:pathLst>
@@ -3605,21 +3605,21 @@
           </p:nvSpPr>
           <p:spPr>
             <a:xfrm>
-              <a:off x="2019661" y="2491797"/>
-              <a:ext cx="6917431" cy="0"/>
+              <a:off x="2017917" y="2492618"/>
+              <a:ext cx="6919174" cy="0"/>
             </a:xfrm>
             <a:custGeom>
               <a:avLst/>
               <a:pathLst>
-                <a:path w="6917431" h="0">
+                <a:path w="6919174" h="0">
                   <a:moveTo>
                     <a:pt x="0" y="0"/>
                   </a:moveTo>
                   <a:lnTo>
-                    <a:pt x="6917431" y="0"/>
-                  </a:lnTo>
-                  <a:lnTo>
-                    <a:pt x="6917431" y="0"/>
+                    <a:pt x="6919174" y="0"/>
+                  </a:lnTo>
+                  <a:lnTo>
+                    <a:pt x="6919174" y="0"/>
                   </a:lnTo>
                 </a:path>
               </a:pathLst>
@@ -3648,21 +3648,21 @@
           </p:nvSpPr>
           <p:spPr>
             <a:xfrm>
-              <a:off x="2019661" y="1928559"/>
-              <a:ext cx="6917431" cy="0"/>
+              <a:off x="2017917" y="1928867"/>
+              <a:ext cx="6919174" cy="0"/>
             </a:xfrm>
             <a:custGeom>
               <a:avLst/>
               <a:pathLst>
-                <a:path w="6917431" h="0">
+                <a:path w="6919174" h="0">
                   <a:moveTo>
                     <a:pt x="0" y="0"/>
                   </a:moveTo>
                   <a:lnTo>
-                    <a:pt x="6917431" y="0"/>
-                  </a:lnTo>
-                  <a:lnTo>
-                    <a:pt x="6917431" y="0"/>
+                    <a:pt x="6919174" y="0"/>
+                  </a:lnTo>
+                  <a:lnTo>
+                    <a:pt x="6919174" y="0"/>
                   </a:lnTo>
                 </a:path>
               </a:pathLst>
@@ -3691,15 +3691,15 @@
           </p:nvSpPr>
           <p:spPr>
             <a:xfrm>
-              <a:off x="2019661" y="1590617"/>
-              <a:ext cx="0" cy="4055309"/>
+              <a:off x="2017917" y="1590617"/>
+              <a:ext cx="0" cy="4059006"/>
             </a:xfrm>
             <a:custGeom>
               <a:avLst/>
               <a:pathLst>
-                <a:path w="0" h="4055309">
+                <a:path w="0" h="4059006">
                   <a:moveTo>
-                    <a:pt x="0" y="4055309"/>
+                    <a:pt x="0" y="4059006"/>
                   </a:moveTo>
                   <a:lnTo>
                     <a:pt x="0" y="0"/>
@@ -3734,15 +3734,15 @@
           </p:nvSpPr>
           <p:spPr>
             <a:xfrm>
-              <a:off x="3669733" y="1590617"/>
-              <a:ext cx="0" cy="4055309"/>
+              <a:off x="3668405" y="1590617"/>
+              <a:ext cx="0" cy="4059006"/>
             </a:xfrm>
             <a:custGeom>
               <a:avLst/>
               <a:pathLst>
-                <a:path w="0" h="4055309">
+                <a:path w="0" h="4059006">
                   <a:moveTo>
-                    <a:pt x="0" y="4055309"/>
+                    <a:pt x="0" y="4059006"/>
                   </a:moveTo>
                   <a:lnTo>
                     <a:pt x="0" y="0"/>
@@ -3777,15 +3777,15 @@
           </p:nvSpPr>
           <p:spPr>
             <a:xfrm>
-              <a:off x="5319804" y="1590617"/>
-              <a:ext cx="0" cy="4055309"/>
+              <a:off x="5318893" y="1590617"/>
+              <a:ext cx="0" cy="4059006"/>
             </a:xfrm>
             <a:custGeom>
               <a:avLst/>
               <a:pathLst>
-                <a:path w="0" h="4055309">
+                <a:path w="0" h="4059006">
                   <a:moveTo>
-                    <a:pt x="0" y="4055309"/>
+                    <a:pt x="0" y="4059006"/>
                   </a:moveTo>
                   <a:lnTo>
                     <a:pt x="0" y="0"/>
@@ -3820,15 +3820,15 @@
           </p:nvSpPr>
           <p:spPr>
             <a:xfrm>
-              <a:off x="6969876" y="1590617"/>
-              <a:ext cx="0" cy="4055309"/>
+              <a:off x="6969380" y="1590617"/>
+              <a:ext cx="0" cy="4059006"/>
             </a:xfrm>
             <a:custGeom>
               <a:avLst/>
               <a:pathLst>
-                <a:path w="0" h="4055309">
+                <a:path w="0" h="4059006">
                   <a:moveTo>
-                    <a:pt x="0" y="4055309"/>
+                    <a:pt x="0" y="4059006"/>
                   </a:moveTo>
                   <a:lnTo>
                     <a:pt x="0" y="0"/>
@@ -3863,15 +3863,15 @@
           </p:nvSpPr>
           <p:spPr>
             <a:xfrm>
-              <a:off x="8619948" y="1590617"/>
-              <a:ext cx="0" cy="4055309"/>
+              <a:off x="8619868" y="1590617"/>
+              <a:ext cx="0" cy="4059006"/>
             </a:xfrm>
             <a:custGeom>
               <a:avLst/>
               <a:pathLst>
-                <a:path w="0" h="4055309">
+                <a:path w="0" h="4059006">
                   <a:moveTo>
-                    <a:pt x="0" y="4055309"/>
+                    <a:pt x="0" y="4059006"/>
                   </a:moveTo>
                   <a:lnTo>
                     <a:pt x="0" y="0"/>
@@ -3906,8 +3906,8 @@
           </p:nvSpPr>
           <p:spPr>
             <a:xfrm>
-              <a:off x="2019661" y="1675102"/>
-              <a:ext cx="6781795" cy="506913"/>
+              <a:off x="2017917" y="1675179"/>
+              <a:ext cx="6783504" cy="507375"/>
             </a:xfrm>
             <a:prstGeom prst="rect">
               <a:avLst/>
@@ -3932,8 +3932,8 @@
           </p:nvSpPr>
           <p:spPr>
             <a:xfrm>
-              <a:off x="2019661" y="2238340"/>
-              <a:ext cx="6356076" cy="506913"/>
+              <a:off x="2017917" y="2238930"/>
+              <a:ext cx="6357678" cy="507375"/>
             </a:xfrm>
             <a:prstGeom prst="rect">
               <a:avLst/>
@@ -3958,8 +3958,8 @@
           </p:nvSpPr>
           <p:spPr>
             <a:xfrm>
-              <a:off x="2019661" y="2801577"/>
-              <a:ext cx="4243984" cy="506913"/>
+              <a:off x="2017917" y="2802681"/>
+              <a:ext cx="4245054" cy="507375"/>
             </a:xfrm>
             <a:prstGeom prst="rect">
               <a:avLst/>
@@ -3984,8 +3984,8 @@
           </p:nvSpPr>
           <p:spPr>
             <a:xfrm>
-              <a:off x="2019661" y="3364815"/>
-              <a:ext cx="3682960" cy="506913"/>
+              <a:off x="2017917" y="3366432"/>
+              <a:ext cx="3683888" cy="507375"/>
             </a:xfrm>
             <a:prstGeom prst="rect">
               <a:avLst/>
@@ -4010,8 +4010,8 @@
           </p:nvSpPr>
           <p:spPr>
             <a:xfrm>
-              <a:off x="2019661" y="3928052"/>
-              <a:ext cx="3389247" cy="506913"/>
+              <a:off x="2017917" y="3930183"/>
+              <a:ext cx="3390101" cy="507375"/>
             </a:xfrm>
             <a:prstGeom prst="rect">
               <a:avLst/>
@@ -4036,8 +4036,8 @@
           </p:nvSpPr>
           <p:spPr>
             <a:xfrm>
-              <a:off x="2019661" y="4491289"/>
-              <a:ext cx="2851324" cy="506913"/>
+              <a:off x="2017917" y="4493934"/>
+              <a:ext cx="2852042" cy="507375"/>
             </a:xfrm>
             <a:prstGeom prst="rect">
               <a:avLst/>
@@ -4062,8 +4062,8 @@
           </p:nvSpPr>
           <p:spPr>
             <a:xfrm>
-              <a:off x="2019661" y="5054527"/>
-              <a:ext cx="2521309" cy="506913"/>
+              <a:off x="2017917" y="5057685"/>
+              <a:ext cx="2521945" cy="507375"/>
             </a:xfrm>
             <a:prstGeom prst="rect">
               <a:avLst/>
@@ -4088,7 +4088,7 @@
           </p:nvSpPr>
           <p:spPr>
             <a:xfrm>
-              <a:off x="8265982" y="1868359"/>
+              <a:off x="8265921" y="1868668"/>
               <a:ext cx="95277" cy="92313"/>
             </a:xfrm>
             <a:custGeom>
@@ -4236,7 +4236,7 @@
           </p:nvSpPr>
           <p:spPr>
             <a:xfrm>
-              <a:off x="8323572" y="1895037"/>
+              <a:off x="8323511" y="1895345"/>
               <a:ext cx="41498" cy="41075"/>
             </a:xfrm>
             <a:custGeom>
@@ -4333,7 +4333,7 @@
           </p:nvSpPr>
           <p:spPr>
             <a:xfrm>
-              <a:off x="8375234" y="1863278"/>
+              <a:off x="8375173" y="1863586"/>
               <a:ext cx="38958" cy="97818"/>
             </a:xfrm>
             <a:custGeom>
@@ -4601,7 +4601,7 @@
           </p:nvSpPr>
           <p:spPr>
             <a:xfrm>
-              <a:off x="8387514" y="1890379"/>
+              <a:off x="8387453" y="1890687"/>
               <a:ext cx="16091" cy="36417"/>
             </a:xfrm>
             <a:custGeom>
@@ -4725,7 +4725,7 @@
           </p:nvSpPr>
           <p:spPr>
             <a:xfrm>
-              <a:off x="8411651" y="1867089"/>
+              <a:off x="8411590" y="1867397"/>
               <a:ext cx="61401" cy="93584"/>
             </a:xfrm>
             <a:custGeom>
@@ -5011,7 +5011,7 @@
           </p:nvSpPr>
           <p:spPr>
             <a:xfrm>
-              <a:off x="8482368" y="1863278"/>
+              <a:off x="8482307" y="1863586"/>
               <a:ext cx="30912" cy="97395"/>
             </a:xfrm>
             <a:custGeom>
@@ -5147,7 +5147,7 @@
           </p:nvSpPr>
           <p:spPr>
             <a:xfrm>
-              <a:off x="8509046" y="1866666"/>
+              <a:off x="8508985" y="1866974"/>
               <a:ext cx="73258" cy="94007"/>
             </a:xfrm>
             <a:custGeom>
@@ -5352,7 +5352,7 @@
           </p:nvSpPr>
           <p:spPr>
             <a:xfrm>
-              <a:off x="8528102" y="1874288"/>
+              <a:off x="8528041" y="1874596"/>
               <a:ext cx="34723" cy="17785"/>
             </a:xfrm>
             <a:custGeom>
@@ -5395,7 +5395,7 @@
           </p:nvSpPr>
           <p:spPr>
             <a:xfrm>
-              <a:off x="8591197" y="1862855"/>
+              <a:off x="8591136" y="1863163"/>
               <a:ext cx="96548" cy="97818"/>
             </a:xfrm>
             <a:custGeom>
@@ -5618,7 +5618,7 @@
           </p:nvSpPr>
           <p:spPr>
             <a:xfrm>
-              <a:off x="8622533" y="1892920"/>
+              <a:off x="8622472" y="1893228"/>
               <a:ext cx="66906" cy="67753"/>
             </a:xfrm>
             <a:custGeom>
@@ -5904,7 +5904,7 @@
           </p:nvSpPr>
           <p:spPr>
             <a:xfrm>
-              <a:off x="7545114" y="2426092"/>
+              <a:off x="7544946" y="2426914"/>
               <a:ext cx="66059" cy="55896"/>
             </a:xfrm>
             <a:custGeom>
@@ -6157,7 +6157,7 @@
           </p:nvSpPr>
           <p:spPr>
             <a:xfrm>
-              <a:off x="7562476" y="2443454"/>
+              <a:off x="7562307" y="2444275"/>
               <a:ext cx="17361" cy="5504"/>
             </a:xfrm>
             <a:custGeom>
@@ -6200,7 +6200,7 @@
           </p:nvSpPr>
           <p:spPr>
             <a:xfrm>
-              <a:off x="7562476" y="2455310"/>
+              <a:off x="7562307" y="2456132"/>
               <a:ext cx="17361" cy="5504"/>
             </a:xfrm>
             <a:custGeom>
@@ -6243,7 +6243,7 @@
           </p:nvSpPr>
           <p:spPr>
             <a:xfrm>
-              <a:off x="7562476" y="2467167"/>
+              <a:off x="7562307" y="2467989"/>
               <a:ext cx="17361" cy="5504"/>
             </a:xfrm>
             <a:custGeom>
@@ -6286,7 +6286,7 @@
           </p:nvSpPr>
           <p:spPr>
             <a:xfrm>
-              <a:off x="7542997" y="2484529"/>
+              <a:off x="7542828" y="2485351"/>
               <a:ext cx="69870" cy="39804"/>
             </a:xfrm>
             <a:custGeom>
@@ -6587,7 +6587,7 @@
           </p:nvSpPr>
           <p:spPr>
             <a:xfrm>
-              <a:off x="7515472" y="2426515"/>
+              <a:off x="7515304" y="2427337"/>
               <a:ext cx="33876" cy="97395"/>
             </a:xfrm>
             <a:custGeom>
@@ -6885,7 +6885,7 @@
           </p:nvSpPr>
           <p:spPr>
             <a:xfrm>
-              <a:off x="7626841" y="2426092"/>
+              <a:off x="7626673" y="2426914"/>
               <a:ext cx="92313" cy="31759"/>
             </a:xfrm>
             <a:custGeom>
@@ -7000,7 +7000,7 @@
           </p:nvSpPr>
           <p:spPr>
             <a:xfrm>
-              <a:off x="7626418" y="2461239"/>
+              <a:off x="7626249" y="2462060"/>
               <a:ext cx="92737" cy="19902"/>
             </a:xfrm>
             <a:custGeom>
@@ -7055,7 +7055,7 @@
           </p:nvSpPr>
           <p:spPr>
             <a:xfrm>
-              <a:off x="7637427" y="2472249"/>
+              <a:off x="7637259" y="2473070"/>
               <a:ext cx="69446" cy="52508"/>
             </a:xfrm>
             <a:custGeom>
@@ -7284,7 +7284,7 @@
           </p:nvSpPr>
           <p:spPr>
             <a:xfrm>
-              <a:off x="7731011" y="2426092"/>
+              <a:off x="7730843" y="2426914"/>
               <a:ext cx="50814" cy="97818"/>
             </a:xfrm>
             <a:custGeom>
@@ -7519,7 +7519,7 @@
           </p:nvSpPr>
           <p:spPr>
             <a:xfrm>
-              <a:off x="7787755" y="2435408"/>
+              <a:off x="7787586" y="2436230"/>
               <a:ext cx="38534" cy="82997"/>
             </a:xfrm>
             <a:custGeom>
@@ -7574,7 +7574,7 @@
           </p:nvSpPr>
           <p:spPr>
             <a:xfrm>
-              <a:off x="7795800" y="2443030"/>
+              <a:off x="7795632" y="2443852"/>
               <a:ext cx="22443" cy="60130"/>
             </a:xfrm>
             <a:custGeom>
@@ -7617,7 +7617,7 @@
           </p:nvSpPr>
           <p:spPr>
             <a:xfrm>
-              <a:off x="7841110" y="2425245"/>
+              <a:off x="7840942" y="2426067"/>
               <a:ext cx="98242" cy="34723"/>
             </a:xfrm>
             <a:custGeom>
@@ -7780,7 +7780,7 @@
           </p:nvSpPr>
           <p:spPr>
             <a:xfrm>
-              <a:off x="7856778" y="2445571"/>
+              <a:off x="7856610" y="2446393"/>
               <a:ext cx="66482" cy="79186"/>
             </a:xfrm>
             <a:custGeom>
@@ -7931,7 +7931,7 @@
           </p:nvSpPr>
           <p:spPr>
             <a:xfrm>
-              <a:off x="7865247" y="2463780"/>
+              <a:off x="7865079" y="2464601"/>
               <a:ext cx="49544" cy="7622"/>
             </a:xfrm>
             <a:custGeom>
@@ -7974,7 +7974,7 @@
           </p:nvSpPr>
           <p:spPr>
             <a:xfrm>
-              <a:off x="7865247" y="2479024"/>
+              <a:off x="7865079" y="2479846"/>
               <a:ext cx="49544" cy="7622"/>
             </a:xfrm>
             <a:custGeom>
@@ -8017,7 +8017,7 @@
           </p:nvSpPr>
           <p:spPr>
             <a:xfrm>
-              <a:off x="7877951" y="2494269"/>
+              <a:off x="7877783" y="2495090"/>
               <a:ext cx="59707" cy="30488"/>
             </a:xfrm>
             <a:custGeom>
@@ -8207,7 +8207,7 @@
           </p:nvSpPr>
           <p:spPr>
             <a:xfrm>
-              <a:off x="7948668" y="2431597"/>
+              <a:off x="7948500" y="2432418"/>
               <a:ext cx="91466" cy="92313"/>
             </a:xfrm>
             <a:custGeom>
@@ -8511,7 +8511,7 @@
           </p:nvSpPr>
           <p:spPr>
             <a:xfrm>
-              <a:off x="7968571" y="2439643"/>
+              <a:off x="7968403" y="2440464"/>
               <a:ext cx="27101" cy="17361"/>
             </a:xfrm>
             <a:custGeom>
@@ -8554,7 +8554,7 @@
           </p:nvSpPr>
           <p:spPr>
             <a:xfrm>
-              <a:off x="8004141" y="2439643"/>
+              <a:off x="8003973" y="2440464"/>
               <a:ext cx="27524" cy="17361"/>
             </a:xfrm>
             <a:custGeom>
@@ -8597,7 +8597,7 @@
           </p:nvSpPr>
           <p:spPr>
             <a:xfrm>
-              <a:off x="7968147" y="2465050"/>
+              <a:off x="7967979" y="2465872"/>
               <a:ext cx="27524" cy="17361"/>
             </a:xfrm>
             <a:custGeom>
@@ -8670,7 +8670,7 @@
           </p:nvSpPr>
           <p:spPr>
             <a:xfrm>
-              <a:off x="8004141" y="2465050"/>
+              <a:off x="8003973" y="2465872"/>
               <a:ext cx="27524" cy="17361"/>
             </a:xfrm>
             <a:custGeom>
@@ -8713,7 +8713,7 @@
           </p:nvSpPr>
           <p:spPr>
             <a:xfrm>
-              <a:off x="8057073" y="2431597"/>
+              <a:off x="8056905" y="2432418"/>
               <a:ext cx="95277" cy="92313"/>
             </a:xfrm>
             <a:custGeom>
@@ -8861,7 +8861,7 @@
           </p:nvSpPr>
           <p:spPr>
             <a:xfrm>
-              <a:off x="8114664" y="2458275"/>
+              <a:off x="8114495" y="2459096"/>
               <a:ext cx="41498" cy="41075"/>
             </a:xfrm>
             <a:custGeom>
@@ -8958,7 +8958,7 @@
           </p:nvSpPr>
           <p:spPr>
             <a:xfrm>
-              <a:off x="8165055" y="2426515"/>
+              <a:off x="8164887" y="2427337"/>
               <a:ext cx="26677" cy="97395"/>
             </a:xfrm>
             <a:custGeom>
@@ -9094,7 +9094,7 @@
           </p:nvSpPr>
           <p:spPr>
             <a:xfrm>
-              <a:off x="8188345" y="2429903"/>
+              <a:off x="8188177" y="2430725"/>
               <a:ext cx="77069" cy="94430"/>
             </a:xfrm>
             <a:custGeom>
@@ -9413,7 +9413,7 @@
           </p:nvSpPr>
           <p:spPr>
             <a:xfrm>
-              <a:off x="8206554" y="2454464"/>
+              <a:off x="8206385" y="2455285"/>
               <a:ext cx="17361" cy="9739"/>
             </a:xfrm>
             <a:custGeom>
@@ -9456,7 +9456,7 @@
           </p:nvSpPr>
           <p:spPr>
             <a:xfrm>
-              <a:off x="8232385" y="2454464"/>
+              <a:off x="8232216" y="2455285"/>
               <a:ext cx="17361" cy="9739"/>
             </a:xfrm>
             <a:custGeom>
@@ -9499,7 +9499,7 @@
           </p:nvSpPr>
           <p:spPr>
             <a:xfrm>
-              <a:off x="8206554" y="2471825"/>
+              <a:off x="8206385" y="2472647"/>
               <a:ext cx="17361" cy="9316"/>
             </a:xfrm>
             <a:custGeom>
@@ -9542,7 +9542,7 @@
           </p:nvSpPr>
           <p:spPr>
             <a:xfrm>
-              <a:off x="8231961" y="2471825"/>
+              <a:off x="8231793" y="2472647"/>
               <a:ext cx="17785" cy="9316"/>
             </a:xfrm>
             <a:custGeom>
@@ -9615,7 +9615,7 @@
           </p:nvSpPr>
           <p:spPr>
             <a:xfrm>
-              <a:off x="5836153" y="2989753"/>
+              <a:off x="5835452" y="2991088"/>
               <a:ext cx="34300" cy="97395"/>
             </a:xfrm>
             <a:custGeom>
@@ -9751,7 +9751,7 @@
           </p:nvSpPr>
           <p:spPr>
             <a:xfrm>
-              <a:off x="5861984" y="2989753"/>
+              <a:off x="5861283" y="2991088"/>
               <a:ext cx="74104" cy="44462"/>
             </a:xfrm>
             <a:custGeom>
@@ -9941,7 +9941,7 @@
           </p:nvSpPr>
           <p:spPr>
             <a:xfrm>
-              <a:off x="5909834" y="3029134"/>
+              <a:off x="5909134" y="3030469"/>
               <a:ext cx="8469" cy="58437"/>
             </a:xfrm>
             <a:custGeom>
@@ -9984,7 +9984,7 @@
           </p:nvSpPr>
           <p:spPr>
             <a:xfrm>
-              <a:off x="5863678" y="3029981"/>
+              <a:off x="5862977" y="3031316"/>
               <a:ext cx="23290" cy="57590"/>
             </a:xfrm>
             <a:custGeom>
@@ -10117,7 +10117,7 @@
           </p:nvSpPr>
           <p:spPr>
             <a:xfrm>
-              <a:off x="5944134" y="2989753"/>
+              <a:off x="5943434" y="2991088"/>
               <a:ext cx="38958" cy="97395"/>
             </a:xfrm>
             <a:custGeom>
@@ -10313,7 +10313,7 @@
           </p:nvSpPr>
           <p:spPr>
             <a:xfrm>
-              <a:off x="5984786" y="2989329"/>
+              <a:off x="5984086" y="2990664"/>
               <a:ext cx="59283" cy="57590"/>
             </a:xfrm>
             <a:custGeom>
@@ -10632,7 +10632,7 @@
           </p:nvSpPr>
           <p:spPr>
             <a:xfrm>
-              <a:off x="6001725" y="3007115"/>
+              <a:off x="6001024" y="3008450"/>
               <a:ext cx="24983" cy="16938"/>
             </a:xfrm>
             <a:custGeom>
@@ -10729,7 +10729,7 @@
           </p:nvSpPr>
           <p:spPr>
             <a:xfrm>
-              <a:off x="5991138" y="3048190"/>
+              <a:off x="5990438" y="3049525"/>
               <a:ext cx="44886" cy="38958"/>
             </a:xfrm>
             <a:custGeom>
@@ -10784,7 +10784,7 @@
           </p:nvSpPr>
           <p:spPr>
             <a:xfrm>
-              <a:off x="5999184" y="3055389"/>
+              <a:off x="5998483" y="3056724"/>
               <a:ext cx="28795" cy="18208"/>
             </a:xfrm>
             <a:custGeom>
@@ -10827,7 +10827,7 @@
           </p:nvSpPr>
           <p:spPr>
             <a:xfrm>
-              <a:off x="6054657" y="2989329"/>
+              <a:off x="6053956" y="2990664"/>
               <a:ext cx="96971" cy="44462"/>
             </a:xfrm>
             <a:custGeom>
@@ -10906,7 +10906,7 @@
           </p:nvSpPr>
           <p:spPr>
             <a:xfrm>
-              <a:off x="6075406" y="3003303"/>
+              <a:off x="6074705" y="3004639"/>
               <a:ext cx="23290" cy="8892"/>
             </a:xfrm>
             <a:custGeom>
@@ -10949,7 +10949,7 @@
           </p:nvSpPr>
           <p:spPr>
             <a:xfrm>
-              <a:off x="6107589" y="3003303"/>
+              <a:off x="6106888" y="3004639"/>
               <a:ext cx="23290" cy="8892"/>
             </a:xfrm>
             <a:custGeom>
@@ -10992,7 +10992,7 @@
           </p:nvSpPr>
           <p:spPr>
             <a:xfrm>
-              <a:off x="6067784" y="3040568"/>
+              <a:off x="6067083" y="3041903"/>
               <a:ext cx="69870" cy="31335"/>
             </a:xfrm>
             <a:custGeom>
@@ -11047,7 +11047,7 @@
           </p:nvSpPr>
           <p:spPr>
             <a:xfrm>
-              <a:off x="6057621" y="3053271"/>
+              <a:off x="6056920" y="3054606"/>
               <a:ext cx="49967" cy="34723"/>
             </a:xfrm>
             <a:custGeom>
@@ -11204,7 +11204,7 @@
           </p:nvSpPr>
           <p:spPr>
             <a:xfrm>
-              <a:off x="6107165" y="3067669"/>
+              <a:off x="6106465" y="3069004"/>
               <a:ext cx="39804" cy="20749"/>
             </a:xfrm>
             <a:custGeom>
@@ -11301,7 +11301,7 @@
           </p:nvSpPr>
           <p:spPr>
             <a:xfrm>
-              <a:off x="4631897" y="3552990"/>
+              <a:off x="4631055" y="3554839"/>
               <a:ext cx="84691" cy="97395"/>
             </a:xfrm>
             <a:custGeom>
@@ -11416,7 +11416,7 @@
           </p:nvSpPr>
           <p:spPr>
             <a:xfrm>
-              <a:off x="4776296" y="3556378"/>
+              <a:off x="4775454" y="3558226"/>
               <a:ext cx="45309" cy="60554"/>
             </a:xfrm>
             <a:custGeom>
@@ -11471,7 +11471,7 @@
           </p:nvSpPr>
           <p:spPr>
             <a:xfrm>
-              <a:off x="4763169" y="3574163"/>
+              <a:off x="4762327" y="3576012"/>
               <a:ext cx="69446" cy="77492"/>
             </a:xfrm>
             <a:custGeom>
@@ -11910,7 +11910,7 @@
           </p:nvSpPr>
           <p:spPr>
             <a:xfrm>
-              <a:off x="4734374" y="3558495"/>
+              <a:off x="4733532" y="3560344"/>
               <a:ext cx="36417" cy="80880"/>
             </a:xfrm>
             <a:custGeom>
@@ -12055,7 +12055,7 @@
           </p:nvSpPr>
           <p:spPr>
             <a:xfrm>
-              <a:off x="4841932" y="3552990"/>
+              <a:off x="4841090" y="3554839"/>
               <a:ext cx="36840" cy="97395"/>
             </a:xfrm>
             <a:custGeom>
@@ -12350,7 +12350,7 @@
           </p:nvSpPr>
           <p:spPr>
             <a:xfrm>
-              <a:off x="4882160" y="3552567"/>
+              <a:off x="4881318" y="3554415"/>
               <a:ext cx="55049" cy="26677"/>
             </a:xfrm>
             <a:custGeom>
@@ -12459,7 +12459,7 @@
           </p:nvSpPr>
           <p:spPr>
             <a:xfrm>
-              <a:off x="4877926" y="3583056"/>
+              <a:off x="4877084" y="3584904"/>
               <a:ext cx="62248" cy="63095"/>
             </a:xfrm>
             <a:custGeom>
@@ -12568,7 +12568,7 @@
           </p:nvSpPr>
           <p:spPr>
             <a:xfrm>
-              <a:off x="4885971" y="3585596"/>
+              <a:off x="4885129" y="3587445"/>
               <a:ext cx="16514" cy="47427"/>
             </a:xfrm>
             <a:custGeom>
@@ -12665,7 +12665,7 @@
           </p:nvSpPr>
           <p:spPr>
             <a:xfrm>
-              <a:off x="4949913" y="3555531"/>
+              <a:off x="4949071" y="3557380"/>
               <a:ext cx="37264" cy="94854"/>
             </a:xfrm>
             <a:custGeom>
@@ -12927,7 +12927,7 @@
           </p:nvSpPr>
           <p:spPr>
             <a:xfrm>
-              <a:off x="4965158" y="3563153"/>
+              <a:off x="4964316" y="3565002"/>
               <a:ext cx="13550" cy="16938"/>
             </a:xfrm>
             <a:custGeom>
@@ -12970,7 +12970,7 @@
           </p:nvSpPr>
           <p:spPr>
             <a:xfrm>
-              <a:off x="4965158" y="3587290"/>
+              <a:off x="4964316" y="3589139"/>
               <a:ext cx="13550" cy="16938"/>
             </a:xfrm>
             <a:custGeom>
@@ -13016,7 +13016,7 @@
           </p:nvSpPr>
           <p:spPr>
             <a:xfrm>
-              <a:off x="4991836" y="3552990"/>
+              <a:off x="4990994" y="3554839"/>
               <a:ext cx="57590" cy="93160"/>
             </a:xfrm>
             <a:custGeom>
@@ -13095,7 +13095,7 @@
           </p:nvSpPr>
           <p:spPr>
             <a:xfrm>
-              <a:off x="5060436" y="3556801"/>
+              <a:off x="5059594" y="3558650"/>
               <a:ext cx="95701" cy="93584"/>
             </a:xfrm>
             <a:custGeom>
@@ -13381,7 +13381,7 @@
           </p:nvSpPr>
           <p:spPr>
             <a:xfrm>
-              <a:off x="5167994" y="3552143"/>
+              <a:off x="5167152" y="3553992"/>
               <a:ext cx="48274" cy="26254"/>
             </a:xfrm>
             <a:custGeom>
@@ -13556,7 +13556,7 @@
           </p:nvSpPr>
           <p:spPr>
             <a:xfrm>
-              <a:off x="5214151" y="3552143"/>
+              <a:off x="5213309" y="3553992"/>
               <a:ext cx="50814" cy="24983"/>
             </a:xfrm>
             <a:custGeom>
@@ -13731,7 +13731,7 @@
           </p:nvSpPr>
           <p:spPr>
             <a:xfrm>
-              <a:off x="5168841" y="3578398"/>
+              <a:off x="5167999" y="3580246"/>
               <a:ext cx="95701" cy="28795"/>
             </a:xfrm>
             <a:custGeom>
@@ -13810,7 +13810,7 @@
           </p:nvSpPr>
           <p:spPr>
             <a:xfrm>
-              <a:off x="5173499" y="3609733"/>
+              <a:off x="5172657" y="3611582"/>
               <a:ext cx="87655" cy="40228"/>
             </a:xfrm>
             <a:custGeom>
@@ -14057,7 +14057,7 @@
           </p:nvSpPr>
           <p:spPr>
             <a:xfrm>
-              <a:off x="5181968" y="3624978"/>
+              <a:off x="5181126" y="3626826"/>
               <a:ext cx="20325" cy="17361"/>
             </a:xfrm>
             <a:custGeom>
@@ -14154,7 +14154,7 @@
           </p:nvSpPr>
           <p:spPr>
             <a:xfrm>
-              <a:off x="5344152" y="3553414"/>
+              <a:off x="5343310" y="3555262"/>
               <a:ext cx="26254" cy="96971"/>
             </a:xfrm>
             <a:custGeom>
@@ -14347,7 +14347,7 @@
           </p:nvSpPr>
           <p:spPr>
             <a:xfrm>
-              <a:off x="5343305" y="3564424"/>
+              <a:off x="5342463" y="3566272"/>
               <a:ext cx="8469" cy="61401"/>
             </a:xfrm>
             <a:custGeom>
@@ -14390,7 +14390,7 @@
           </p:nvSpPr>
           <p:spPr>
             <a:xfrm>
-              <a:off x="5279363" y="3556378"/>
+              <a:off x="5278521" y="3558226"/>
               <a:ext cx="53355" cy="7622"/>
             </a:xfrm>
             <a:custGeom>
@@ -14433,7 +14433,7 @@
           </p:nvSpPr>
           <p:spPr>
             <a:xfrm>
-              <a:off x="5282751" y="3571622"/>
+              <a:off x="5281909" y="3573471"/>
               <a:ext cx="46580" cy="24137"/>
             </a:xfrm>
             <a:custGeom>
@@ -14476,7 +14476,7 @@
           </p:nvSpPr>
           <p:spPr>
             <a:xfrm>
-              <a:off x="5290796" y="3578821"/>
+              <a:off x="5289954" y="3580670"/>
               <a:ext cx="30488" cy="9739"/>
             </a:xfrm>
             <a:custGeom>
@@ -14519,7 +14519,7 @@
           </p:nvSpPr>
           <p:spPr>
             <a:xfrm>
-              <a:off x="5279363" y="3603382"/>
+              <a:off x="5278521" y="3605230"/>
               <a:ext cx="53355" cy="47003"/>
             </a:xfrm>
             <a:custGeom>
@@ -14574,7 +14574,7 @@
           </p:nvSpPr>
           <p:spPr>
             <a:xfrm>
-              <a:off x="5287409" y="3611004"/>
+              <a:off x="5286567" y="3612852"/>
               <a:ext cx="14820" cy="9739"/>
             </a:xfrm>
             <a:custGeom>
@@ -14617,7 +14617,7 @@
           </p:nvSpPr>
           <p:spPr>
             <a:xfrm>
-              <a:off x="5310275" y="3611004"/>
+              <a:off x="5309433" y="3612852"/>
               <a:ext cx="14820" cy="9739"/>
             </a:xfrm>
             <a:custGeom>
@@ -14660,7 +14660,7 @@
           </p:nvSpPr>
           <p:spPr>
             <a:xfrm>
-              <a:off x="5287409" y="3627942"/>
+              <a:off x="5286567" y="3629791"/>
               <a:ext cx="14820" cy="9739"/>
             </a:xfrm>
             <a:custGeom>
@@ -14703,7 +14703,7 @@
           </p:nvSpPr>
           <p:spPr>
             <a:xfrm>
-              <a:off x="5310275" y="3627942"/>
+              <a:off x="5309433" y="3629791"/>
               <a:ext cx="14820" cy="9739"/>
             </a:xfrm>
             <a:custGeom>
@@ -14746,7 +14746,7 @@
           </p:nvSpPr>
           <p:spPr>
             <a:xfrm>
-              <a:off x="5383533" y="3552990"/>
+              <a:off x="5382691" y="3554839"/>
               <a:ext cx="30912" cy="97395"/>
             </a:xfrm>
             <a:custGeom>
@@ -14882,7 +14882,7 @@
           </p:nvSpPr>
           <p:spPr>
             <a:xfrm>
-              <a:off x="5408941" y="3552990"/>
+              <a:off x="5408099" y="3554839"/>
               <a:ext cx="73258" cy="97395"/>
             </a:xfrm>
             <a:custGeom>
@@ -15054,7 +15054,7 @@
           </p:nvSpPr>
           <p:spPr>
             <a:xfrm>
-              <a:off x="5492362" y="3558072"/>
+              <a:off x="5491520" y="3559920"/>
               <a:ext cx="91466" cy="92313"/>
             </a:xfrm>
             <a:custGeom>
@@ -15358,7 +15358,7 @@
           </p:nvSpPr>
           <p:spPr>
             <a:xfrm>
-              <a:off x="5512264" y="3566117"/>
+              <a:off x="5511422" y="3567966"/>
               <a:ext cx="27101" cy="17361"/>
             </a:xfrm>
             <a:custGeom>
@@ -15401,7 +15401,7 @@
           </p:nvSpPr>
           <p:spPr>
             <a:xfrm>
-              <a:off x="5547835" y="3566117"/>
+              <a:off x="5546993" y="3567966"/>
               <a:ext cx="27524" cy="17361"/>
             </a:xfrm>
             <a:custGeom>
@@ -15444,7 +15444,7 @@
           </p:nvSpPr>
           <p:spPr>
             <a:xfrm>
-              <a:off x="5511841" y="3591525"/>
+              <a:off x="5510999" y="3593373"/>
               <a:ext cx="27524" cy="17361"/>
             </a:xfrm>
             <a:custGeom>
@@ -15517,7 +15517,7 @@
           </p:nvSpPr>
           <p:spPr>
             <a:xfrm>
-              <a:off x="5547835" y="3591525"/>
+              <a:off x="5546993" y="3593373"/>
               <a:ext cx="27524" cy="17361"/>
             </a:xfrm>
             <a:custGeom>
@@ -15560,7 +15560,7 @@
           </p:nvSpPr>
           <p:spPr>
             <a:xfrm>
-              <a:off x="5527277" y="4131567"/>
+              <a:off x="5526415" y="4133929"/>
               <a:ext cx="26254" cy="19902"/>
             </a:xfrm>
             <a:custGeom>
@@ -15657,7 +15657,7 @@
           </p:nvSpPr>
           <p:spPr>
             <a:xfrm>
-              <a:off x="5522196" y="4156975"/>
+              <a:off x="5521333" y="4159337"/>
               <a:ext cx="24983" cy="19055"/>
             </a:xfrm>
             <a:custGeom>
@@ -15754,7 +15754,7 @@
           </p:nvSpPr>
           <p:spPr>
             <a:xfrm>
-              <a:off x="5520925" y="4184499"/>
+              <a:off x="5520063" y="4186862"/>
               <a:ext cx="27524" cy="44039"/>
             </a:xfrm>
             <a:custGeom>
@@ -15851,7 +15851,7 @@
           </p:nvSpPr>
           <p:spPr>
             <a:xfrm>
-              <a:off x="5551414" y="4134532"/>
+              <a:off x="5550552" y="4136894"/>
               <a:ext cx="66059" cy="40228"/>
             </a:xfrm>
             <a:custGeom>
@@ -16116,7 +16116,7 @@
           </p:nvSpPr>
           <p:spPr>
             <a:xfrm>
-              <a:off x="5546756" y="4176877"/>
+              <a:off x="5545894" y="4179239"/>
               <a:ext cx="71987" cy="52085"/>
             </a:xfrm>
             <a:custGeom>
@@ -16342,7 +16342,7 @@
           </p:nvSpPr>
           <p:spPr>
             <a:xfrm>
-              <a:off x="5567082" y="4184499"/>
+              <a:off x="5566220" y="4186862"/>
               <a:ext cx="32182" cy="22019"/>
             </a:xfrm>
             <a:custGeom>
@@ -16436,7 +16436,7 @@
           </p:nvSpPr>
           <p:spPr>
             <a:xfrm>
-              <a:off x="5630177" y="4130720"/>
+              <a:off x="5629315" y="4133082"/>
               <a:ext cx="94430" cy="98242"/>
             </a:xfrm>
             <a:custGeom>
@@ -16815,7 +16815,7 @@
           </p:nvSpPr>
           <p:spPr>
             <a:xfrm>
-              <a:off x="5660243" y="4171372"/>
+              <a:off x="5659380" y="4173734"/>
               <a:ext cx="47427" cy="10162"/>
             </a:xfrm>
             <a:custGeom>
@@ -16858,7 +16858,7 @@
           </p:nvSpPr>
           <p:spPr>
             <a:xfrm>
-              <a:off x="5660243" y="4189158"/>
+              <a:off x="5659380" y="4191520"/>
               <a:ext cx="47427" cy="9739"/>
             </a:xfrm>
             <a:custGeom>
@@ -16901,7 +16901,7 @@
           </p:nvSpPr>
           <p:spPr>
             <a:xfrm>
-              <a:off x="5736888" y="4136225"/>
+              <a:off x="5736026" y="4138587"/>
               <a:ext cx="95277" cy="92313"/>
             </a:xfrm>
             <a:custGeom>
@@ -17049,7 +17049,7 @@
           </p:nvSpPr>
           <p:spPr>
             <a:xfrm>
-              <a:off x="5794479" y="4162903"/>
+              <a:off x="5793616" y="4165265"/>
               <a:ext cx="41498" cy="41075"/>
             </a:xfrm>
             <a:custGeom>
@@ -17146,7 +17146,7 @@
           </p:nvSpPr>
           <p:spPr>
             <a:xfrm>
-              <a:off x="5849951" y="4131991"/>
+              <a:off x="5849089" y="4134353"/>
               <a:ext cx="20749" cy="16938"/>
             </a:xfrm>
             <a:custGeom>
@@ -17243,7 +17243,7 @@
           </p:nvSpPr>
           <p:spPr>
             <a:xfrm>
-              <a:off x="5845717" y="4158245"/>
+              <a:off x="5844854" y="4160607"/>
               <a:ext cx="21596" cy="17785"/>
             </a:xfrm>
             <a:custGeom>
@@ -17340,7 +17340,7 @@
           </p:nvSpPr>
           <p:spPr>
             <a:xfrm>
-              <a:off x="5846564" y="4184076"/>
+              <a:off x="5845701" y="4186438"/>
               <a:ext cx="27101" cy="44039"/>
             </a:xfrm>
             <a:custGeom>
@@ -17437,7 +17437,7 @@
           </p:nvSpPr>
           <p:spPr>
             <a:xfrm>
-              <a:off x="5871548" y="4131144"/>
+              <a:off x="5870685" y="4133506"/>
               <a:ext cx="71987" cy="23713"/>
             </a:xfrm>
             <a:custGeom>
@@ -17528,7 +17528,7 @@
           </p:nvSpPr>
           <p:spPr>
             <a:xfrm>
-              <a:off x="5873665" y="4157822"/>
+              <a:off x="5872803" y="4160184"/>
               <a:ext cx="68600" cy="70717"/>
             </a:xfrm>
             <a:custGeom>
@@ -18018,7 +18018,7 @@
           </p:nvSpPr>
           <p:spPr>
             <a:xfrm>
-              <a:off x="5901190" y="4165444"/>
+              <a:off x="5900327" y="4167806"/>
               <a:ext cx="13127" cy="7622"/>
             </a:xfrm>
             <a:custGeom>
@@ -18061,7 +18061,7 @@
           </p:nvSpPr>
           <p:spPr>
             <a:xfrm>
-              <a:off x="5921092" y="4180265"/>
+              <a:off x="5920230" y="4182627"/>
               <a:ext cx="11433" cy="21172"/>
             </a:xfrm>
             <a:custGeom>
@@ -18131,7 +18131,7 @@
           </p:nvSpPr>
           <p:spPr>
             <a:xfrm>
-              <a:off x="5955816" y="4129874"/>
+              <a:off x="5954953" y="4132236"/>
               <a:ext cx="95277" cy="32606"/>
             </a:xfrm>
             <a:custGeom>
@@ -18318,7 +18318,7 @@
           </p:nvSpPr>
           <p:spPr>
             <a:xfrm>
-              <a:off x="5985458" y="4145118"/>
+              <a:off x="5984595" y="4147480"/>
               <a:ext cx="34723" cy="10162"/>
             </a:xfrm>
             <a:custGeom>
@@ -18415,7 +18415,7 @@
           </p:nvSpPr>
           <p:spPr>
             <a:xfrm>
-              <a:off x="5966826" y="4167985"/>
+              <a:off x="5965963" y="4170347"/>
               <a:ext cx="71564" cy="31759"/>
             </a:xfrm>
             <a:custGeom>
@@ -18458,7 +18458,7 @@
           </p:nvSpPr>
           <p:spPr>
             <a:xfrm>
-              <a:off x="5975295" y="4175183"/>
+              <a:off x="5974432" y="4177545"/>
               <a:ext cx="54625" cy="5928"/>
             </a:xfrm>
             <a:custGeom>
@@ -18501,7 +18501,7 @@
           </p:nvSpPr>
           <p:spPr>
             <a:xfrm>
-              <a:off x="5975295" y="4186617"/>
+              <a:off x="5974432" y="4188979"/>
               <a:ext cx="54625" cy="6351"/>
             </a:xfrm>
             <a:custGeom>
@@ -18544,7 +18544,7 @@
           </p:nvSpPr>
           <p:spPr>
             <a:xfrm>
-              <a:off x="6033308" y="4202285"/>
+              <a:off x="6032446" y="4204647"/>
               <a:ext cx="19055" cy="23713"/>
             </a:xfrm>
             <a:custGeom>
@@ -18641,7 +18641,7 @@
           </p:nvSpPr>
           <p:spPr>
             <a:xfrm>
-              <a:off x="5996891" y="4202285"/>
+              <a:off x="5996029" y="4204647"/>
               <a:ext cx="12703" cy="13127"/>
             </a:xfrm>
             <a:custGeom>
@@ -18738,7 +18738,7 @@
           </p:nvSpPr>
           <p:spPr>
             <a:xfrm>
-              <a:off x="5954545" y="4203132"/>
+              <a:off x="5953683" y="4205494"/>
               <a:ext cx="19479" cy="23290"/>
             </a:xfrm>
             <a:custGeom>
@@ -18835,7 +18835,7 @@
           </p:nvSpPr>
           <p:spPr>
             <a:xfrm>
-              <a:off x="5978259" y="4204402"/>
+              <a:off x="5977397" y="4206764"/>
               <a:ext cx="54625" cy="22866"/>
             </a:xfrm>
             <a:custGeom>
@@ -19148,7 +19148,7 @@
           </p:nvSpPr>
           <p:spPr>
             <a:xfrm>
-              <a:off x="6102755" y="4131567"/>
+              <a:off x="6101893" y="4133929"/>
               <a:ext cx="54625" cy="96971"/>
             </a:xfrm>
             <a:custGeom>
@@ -19464,7 +19464,7 @@
           </p:nvSpPr>
           <p:spPr>
             <a:xfrm>
-              <a:off x="6116729" y="4173490"/>
+              <a:off x="6115867" y="4175852"/>
               <a:ext cx="18632" cy="24560"/>
             </a:xfrm>
             <a:custGeom>
@@ -19561,7 +19561,7 @@
           </p:nvSpPr>
           <p:spPr>
             <a:xfrm>
-              <a:off x="6066338" y="4131144"/>
+              <a:off x="6065476" y="4133506"/>
               <a:ext cx="34723" cy="93584"/>
             </a:xfrm>
             <a:custGeom>
@@ -19682,7 +19682,7 @@
           </p:nvSpPr>
           <p:spPr>
             <a:xfrm>
-              <a:off x="6073960" y="4153164"/>
+              <a:off x="6073098" y="4155526"/>
               <a:ext cx="19479" cy="24560"/>
             </a:xfrm>
             <a:custGeom>
@@ -19725,7 +19725,7 @@
           </p:nvSpPr>
           <p:spPr>
             <a:xfrm>
-              <a:off x="6073960" y="4185770"/>
+              <a:off x="6073098" y="4188132"/>
               <a:ext cx="19479" cy="24560"/>
             </a:xfrm>
             <a:custGeom>
@@ -19768,7 +19768,7 @@
           </p:nvSpPr>
           <p:spPr>
             <a:xfrm>
-              <a:off x="6170508" y="4132838"/>
+              <a:off x="6169646" y="4135200"/>
               <a:ext cx="33876" cy="79609"/>
             </a:xfrm>
             <a:custGeom>
@@ -19901,7 +19901,7 @@
           </p:nvSpPr>
           <p:spPr>
             <a:xfrm>
-              <a:off x="6205655" y="4131144"/>
+              <a:off x="6204793" y="4133506"/>
               <a:ext cx="63518" cy="95277"/>
             </a:xfrm>
             <a:custGeom>
@@ -20472,7 +20472,7 @@
           </p:nvSpPr>
           <p:spPr>
             <a:xfrm>
-              <a:off x="6281031" y="4130720"/>
+              <a:off x="6280168" y="4133082"/>
               <a:ext cx="94430" cy="97818"/>
             </a:xfrm>
             <a:custGeom>
@@ -20896,7 +20896,7 @@
           </p:nvSpPr>
           <p:spPr>
             <a:xfrm>
-              <a:off x="4982155" y="4699463"/>
+              <a:off x="4981157" y="4702338"/>
               <a:ext cx="95277" cy="92313"/>
             </a:xfrm>
             <a:custGeom>
@@ -21044,7 +21044,7 @@
           </p:nvSpPr>
           <p:spPr>
             <a:xfrm>
-              <a:off x="5039745" y="4726141"/>
+              <a:off x="5038747" y="4729016"/>
               <a:ext cx="41498" cy="41075"/>
             </a:xfrm>
             <a:custGeom>
@@ -21141,7 +21141,7 @@
           </p:nvSpPr>
           <p:spPr>
             <a:xfrm>
-              <a:off x="5091407" y="4694381"/>
+              <a:off x="5090409" y="4697257"/>
               <a:ext cx="38958" cy="97818"/>
             </a:xfrm>
             <a:custGeom>
@@ -21409,7 +21409,7 @@
           </p:nvSpPr>
           <p:spPr>
             <a:xfrm>
-              <a:off x="5103687" y="4721483"/>
+              <a:off x="5102689" y="4724358"/>
               <a:ext cx="16091" cy="36417"/>
             </a:xfrm>
             <a:custGeom>
@@ -21533,7 +21533,7 @@
           </p:nvSpPr>
           <p:spPr>
             <a:xfrm>
-              <a:off x="5127824" y="4698192"/>
+              <a:off x="5126826" y="4701068"/>
               <a:ext cx="61401" cy="93584"/>
             </a:xfrm>
             <a:custGeom>
@@ -21819,7 +21819,7 @@
           </p:nvSpPr>
           <p:spPr>
             <a:xfrm>
-              <a:off x="5233688" y="4693958"/>
+              <a:off x="5232690" y="4696833"/>
               <a:ext cx="63095" cy="41498"/>
             </a:xfrm>
             <a:custGeom>
@@ -21958,7 +21958,7 @@
           </p:nvSpPr>
           <p:spPr>
             <a:xfrm>
-              <a:off x="5240887" y="4729528"/>
+              <a:off x="5239889" y="4732404"/>
               <a:ext cx="57166" cy="60130"/>
             </a:xfrm>
             <a:custGeom>
@@ -22316,7 +22316,7 @@
           </p:nvSpPr>
           <p:spPr>
             <a:xfrm>
-              <a:off x="5202776" y="4703697"/>
+              <a:off x="5201778" y="4706573"/>
               <a:ext cx="30488" cy="70717"/>
             </a:xfrm>
             <a:custGeom>
@@ -22371,7 +22371,7 @@
           </p:nvSpPr>
           <p:spPr>
             <a:xfrm>
-              <a:off x="5210822" y="4711743"/>
+              <a:off x="5209824" y="4714619"/>
               <a:ext cx="14397" cy="44039"/>
             </a:xfrm>
             <a:custGeom>
@@ -22414,7 +22414,7 @@
           </p:nvSpPr>
           <p:spPr>
             <a:xfrm>
-              <a:off x="4686864" y="5257195"/>
+              <a:off x="4685783" y="5260584"/>
               <a:ext cx="63095" cy="41498"/>
             </a:xfrm>
             <a:custGeom>
@@ -22553,7 +22553,7 @@
           </p:nvSpPr>
           <p:spPr>
             <a:xfrm>
-              <a:off x="4694063" y="5292766"/>
+              <a:off x="4692982" y="5296155"/>
               <a:ext cx="57166" cy="60130"/>
             </a:xfrm>
             <a:custGeom>
@@ -22911,7 +22911,7 @@
           </p:nvSpPr>
           <p:spPr>
             <a:xfrm>
-              <a:off x="4655952" y="5266935"/>
+              <a:off x="4654871" y="5270324"/>
               <a:ext cx="30488" cy="70717"/>
             </a:xfrm>
             <a:custGeom>
@@ -22966,7 +22966,7 @@
           </p:nvSpPr>
           <p:spPr>
             <a:xfrm>
-              <a:off x="4663997" y="5274980"/>
+              <a:off x="4662916" y="5278369"/>
               <a:ext cx="14397" cy="44039"/>
             </a:xfrm>
             <a:custGeom>
@@ -23009,7 +23009,7 @@
           </p:nvSpPr>
           <p:spPr>
             <a:xfrm>
-              <a:off x="4767321" y="5263124"/>
+              <a:off x="4766240" y="5266513"/>
               <a:ext cx="84691" cy="92313"/>
             </a:xfrm>
             <a:custGeom>
@@ -23271,7 +23271,7 @@
           </p:nvSpPr>
           <p:spPr>
             <a:xfrm>
-              <a:off x="4876149" y="5258042"/>
+              <a:off x="4875068" y="5261431"/>
               <a:ext cx="26254" cy="19902"/>
             </a:xfrm>
             <a:custGeom>
@@ -23368,7 +23368,7 @@
           </p:nvSpPr>
           <p:spPr>
             <a:xfrm>
-              <a:off x="4871068" y="5283450"/>
+              <a:off x="4869987" y="5286839"/>
               <a:ext cx="24983" cy="19055"/>
             </a:xfrm>
             <a:custGeom>
@@ -23465,7 +23465,7 @@
           </p:nvSpPr>
           <p:spPr>
             <a:xfrm>
-              <a:off x="4869798" y="5310974"/>
+              <a:off x="4868716" y="5314363"/>
               <a:ext cx="27524" cy="44039"/>
             </a:xfrm>
             <a:custGeom>
@@ -23562,7 +23562,7 @@
           </p:nvSpPr>
           <p:spPr>
             <a:xfrm>
-              <a:off x="4900286" y="5261006"/>
+              <a:off x="4899205" y="5264395"/>
               <a:ext cx="66059" cy="40228"/>
             </a:xfrm>
             <a:custGeom>
@@ -23827,7 +23827,7 @@
           </p:nvSpPr>
           <p:spPr>
             <a:xfrm>
-              <a:off x="4895628" y="5303352"/>
+              <a:off x="4894547" y="5306741"/>
               <a:ext cx="71987" cy="52085"/>
             </a:xfrm>
             <a:custGeom>
@@ -24053,7 +24053,7 @@
           </p:nvSpPr>
           <p:spPr>
             <a:xfrm>
-              <a:off x="4915954" y="5310974"/>
+              <a:off x="4914873" y="5314363"/>
               <a:ext cx="32182" cy="22019"/>
             </a:xfrm>
             <a:custGeom>
@@ -24147,7 +24147,7 @@
           </p:nvSpPr>
           <p:spPr>
             <a:xfrm>
-              <a:off x="5004457" y="5256772"/>
+              <a:off x="5003376" y="5260161"/>
               <a:ext cx="71987" cy="36417"/>
             </a:xfrm>
             <a:custGeom>
@@ -24310,7 +24310,7 @@
           </p:nvSpPr>
           <p:spPr>
             <a:xfrm>
-              <a:off x="5010809" y="5284296"/>
+              <a:off x="5009728" y="5287686"/>
               <a:ext cx="58860" cy="71140"/>
             </a:xfrm>
             <a:custGeom>
@@ -24413,7 +24413,7 @@
           </p:nvSpPr>
           <p:spPr>
             <a:xfrm>
-              <a:off x="5022666" y="5326219"/>
+              <a:off x="5021584" y="5329608"/>
               <a:ext cx="34300" cy="15244"/>
             </a:xfrm>
             <a:custGeom>
@@ -24456,7 +24456,7 @@
           </p:nvSpPr>
           <p:spPr>
             <a:xfrm>
-              <a:off x="4981167" y="5267358"/>
+              <a:off x="4980086" y="5270747"/>
               <a:ext cx="22443" cy="70293"/>
             </a:xfrm>
             <a:custGeom>
@@ -24511,7 +24511,7 @@
           </p:nvSpPr>
           <p:spPr>
             <a:xfrm>
-              <a:off x="4988789" y="5274557"/>
+              <a:off x="4987708" y="5277946"/>
               <a:ext cx="7198" cy="44886"/>
             </a:xfrm>
             <a:custGeom>
@@ -24554,7 +24554,7 @@
           </p:nvSpPr>
           <p:spPr>
             <a:xfrm>
-              <a:off x="5131071" y="5257619"/>
+              <a:off x="5129989" y="5261008"/>
               <a:ext cx="53355" cy="97818"/>
             </a:xfrm>
             <a:custGeom>
@@ -24876,7 +24876,7 @@
           </p:nvSpPr>
           <p:spPr>
             <a:xfrm>
-              <a:off x="5146315" y="5283450"/>
+              <a:off x="5145234" y="5286839"/>
               <a:ext cx="22866" cy="37687"/>
             </a:xfrm>
             <a:custGeom>
@@ -24973,7 +24973,7 @@
           </p:nvSpPr>
           <p:spPr>
             <a:xfrm>
-              <a:off x="5086608" y="5258466"/>
+              <a:off x="5085526" y="5261855"/>
               <a:ext cx="45309" cy="22019"/>
             </a:xfrm>
             <a:custGeom>
@@ -25082,7 +25082,7 @@
           </p:nvSpPr>
           <p:spPr>
             <a:xfrm>
-              <a:off x="5113709" y="5282603"/>
+              <a:off x="5112628" y="5285992"/>
               <a:ext cx="18632" cy="22019"/>
             </a:xfrm>
             <a:custGeom>
@@ -25179,7 +25179,7 @@
           </p:nvSpPr>
           <p:spPr>
             <a:xfrm>
-              <a:off x="5084914" y="5283026"/>
+              <a:off x="5083833" y="5286415"/>
               <a:ext cx="19902" cy="24983"/>
             </a:xfrm>
             <a:custGeom>
@@ -25276,7 +25276,7 @@
           </p:nvSpPr>
           <p:spPr>
             <a:xfrm>
-              <a:off x="5085337" y="5301658"/>
+              <a:off x="5084256" y="5305047"/>
               <a:ext cx="45733" cy="53355"/>
             </a:xfrm>
             <a:custGeom>
@@ -25559,7 +25559,7 @@
           </p:nvSpPr>
           <p:spPr>
             <a:xfrm>
-              <a:off x="5195013" y="5261430"/>
+              <a:off x="5193931" y="5264819"/>
               <a:ext cx="96971" cy="94007"/>
             </a:xfrm>
             <a:custGeom>
@@ -25764,7 +25764,7 @@
           </p:nvSpPr>
           <p:spPr>
             <a:xfrm>
-              <a:off x="5214068" y="5269476"/>
+              <a:off x="5212987" y="5272865"/>
               <a:ext cx="24983" cy="10586"/>
             </a:xfrm>
             <a:custGeom>
@@ -25807,7 +25807,7 @@
           </p:nvSpPr>
           <p:spPr>
             <a:xfrm>
-              <a:off x="5247521" y="5269476"/>
+              <a:off x="5246440" y="5272865"/>
               <a:ext cx="25407" cy="10586"/>
             </a:xfrm>
             <a:custGeom>
@@ -25850,7 +25850,7 @@
           </p:nvSpPr>
           <p:spPr>
             <a:xfrm>
-              <a:off x="5214068" y="5287261"/>
+              <a:off x="5212987" y="5290650"/>
               <a:ext cx="24983" cy="10162"/>
             </a:xfrm>
             <a:custGeom>
@@ -25893,7 +25893,7 @@
           </p:nvSpPr>
           <p:spPr>
             <a:xfrm>
-              <a:off x="5247521" y="5287261"/>
+              <a:off x="5246440" y="5290650"/>
               <a:ext cx="25407" cy="10162"/>
             </a:xfrm>
             <a:custGeom>
@@ -25936,8 +25936,8 @@
           </p:nvSpPr>
           <p:spPr>
             <a:xfrm>
-              <a:off x="2019661" y="1590617"/>
-              <a:ext cx="6917431" cy="4055309"/>
+              <a:off x="2017917" y="1590617"/>
+              <a:ext cx="6919174" cy="4059006"/>
             </a:xfrm>
             <a:prstGeom prst="rect">
               <a:avLst/>
@@ -25966,7 +25966,7 @@
           </p:nvSpPr>
           <p:spPr>
             <a:xfrm>
-              <a:off x="1927513" y="5269539"/>
+              <a:off x="1925769" y="5272928"/>
               <a:ext cx="52442" cy="76889"/>
             </a:xfrm>
             <a:custGeom>
@@ -26252,7 +26252,7 @@
           </p:nvSpPr>
           <p:spPr>
             <a:xfrm>
-              <a:off x="1926803" y="4705155"/>
+              <a:off x="1925060" y="4708031"/>
               <a:ext cx="54024" cy="79126"/>
             </a:xfrm>
             <a:custGeom>
@@ -26946,7 +26946,7 @@
           </p:nvSpPr>
           <p:spPr>
             <a:xfrm>
-              <a:off x="1942902" y="4744992"/>
+              <a:off x="1941158" y="4747867"/>
               <a:ext cx="22537" cy="27339"/>
             </a:xfrm>
             <a:custGeom>
@@ -27397,7 +27397,7 @@
           </p:nvSpPr>
           <p:spPr>
             <a:xfrm>
-              <a:off x="1926148" y="4143064"/>
+              <a:off x="1924405" y="4145426"/>
               <a:ext cx="55607" cy="77980"/>
             </a:xfrm>
             <a:custGeom>
@@ -28229,7 +28229,7 @@
           </p:nvSpPr>
           <p:spPr>
             <a:xfrm>
-              <a:off x="1924402" y="3579827"/>
+              <a:off x="1922659" y="3581675"/>
               <a:ext cx="59863" cy="76889"/>
             </a:xfrm>
             <a:custGeom>
@@ -28293,7 +28293,7 @@
           </p:nvSpPr>
           <p:spPr>
             <a:xfrm>
-              <a:off x="1936899" y="3593813"/>
+              <a:off x="1935155" y="3595662"/>
               <a:ext cx="22952" cy="35836"/>
             </a:xfrm>
             <a:custGeom>
@@ -28445,7 +28445,7 @@
                     <a:pt x="22327" y="1184"/>
                   </a:lnTo>
                   <a:lnTo>
-                    <a:pt x="22217" y="1397"/>
+                    <a:pt x="22217" y="1396"/>
                   </a:lnTo>
                   <a:lnTo>
                     <a:pt x="22100" y="1620"/>
@@ -28570,7 +28570,7 @@
           </p:nvSpPr>
           <p:spPr>
             <a:xfrm>
-              <a:off x="1925275" y="3015443"/>
+              <a:off x="1923532" y="3016778"/>
               <a:ext cx="55552" cy="79290"/>
             </a:xfrm>
             <a:custGeom>
@@ -29493,7 +29493,7 @@
                     <a:pt x="26919" y="13"/>
                   </a:lnTo>
                   <a:lnTo>
-                    <a:pt x="27939" y="0"/>
+                    <a:pt x="27940" y="0"/>
                   </a:lnTo>
                   <a:lnTo>
                     <a:pt x="29274" y="16"/>
@@ -29879,7 +29879,7 @@
           </p:nvSpPr>
           <p:spPr>
             <a:xfrm>
-              <a:off x="1926585" y="2452206"/>
+              <a:off x="1924841" y="2453027"/>
               <a:ext cx="53806" cy="78035"/>
             </a:xfrm>
             <a:custGeom>
@@ -30645,7 +30645,7 @@
           </p:nvSpPr>
           <p:spPr>
             <a:xfrm>
-              <a:off x="1929750" y="1890114"/>
+              <a:off x="1928007" y="1890422"/>
               <a:ext cx="52005" cy="76889"/>
             </a:xfrm>
             <a:custGeom>
@@ -30709,7 +30709,7 @@
           </p:nvSpPr>
           <p:spPr>
             <a:xfrm>
-              <a:off x="1984866" y="5307984"/>
+              <a:off x="1983123" y="5311373"/>
               <a:ext cx="34794" cy="0"/>
             </a:xfrm>
             <a:custGeom>
@@ -30749,7 +30749,7 @@
           </p:nvSpPr>
           <p:spPr>
             <a:xfrm>
-              <a:off x="1984866" y="4744746"/>
+              <a:off x="1983123" y="4747622"/>
               <a:ext cx="34794" cy="0"/>
             </a:xfrm>
             <a:custGeom>
@@ -30789,7 +30789,7 @@
           </p:nvSpPr>
           <p:spPr>
             <a:xfrm>
-              <a:off x="1984866" y="4181509"/>
+              <a:off x="1983123" y="4183871"/>
               <a:ext cx="34794" cy="0"/>
             </a:xfrm>
             <a:custGeom>
@@ -30829,7 +30829,7 @@
           </p:nvSpPr>
           <p:spPr>
             <a:xfrm>
-              <a:off x="1984866" y="3618271"/>
+              <a:off x="1983123" y="3620120"/>
               <a:ext cx="34794" cy="0"/>
             </a:xfrm>
             <a:custGeom>
@@ -30869,7 +30869,7 @@
           </p:nvSpPr>
           <p:spPr>
             <a:xfrm>
-              <a:off x="1984866" y="3055034"/>
+              <a:off x="1983123" y="3056369"/>
               <a:ext cx="34794" cy="0"/>
             </a:xfrm>
             <a:custGeom>
@@ -30909,7 +30909,7 @@
           </p:nvSpPr>
           <p:spPr>
             <a:xfrm>
-              <a:off x="1984866" y="2491797"/>
+              <a:off x="1983123" y="2492618"/>
               <a:ext cx="34794" cy="0"/>
             </a:xfrm>
             <a:custGeom>
@@ -30949,7 +30949,7 @@
           </p:nvSpPr>
           <p:spPr>
             <a:xfrm>
-              <a:off x="1984866" y="1928559"/>
+              <a:off x="1983123" y="1928867"/>
               <a:ext cx="34794" cy="0"/>
             </a:xfrm>
             <a:custGeom>
@@ -30989,7 +30989,7 @@
           </p:nvSpPr>
           <p:spPr>
             <a:xfrm>
-              <a:off x="2019661" y="5645926"/>
+              <a:off x="2017917" y="5649623"/>
               <a:ext cx="0" cy="34794"/>
             </a:xfrm>
             <a:custGeom>
@@ -31029,7 +31029,7 @@
           </p:nvSpPr>
           <p:spPr>
             <a:xfrm>
-              <a:off x="3669733" y="5645926"/>
+              <a:off x="3668405" y="5649623"/>
               <a:ext cx="0" cy="34794"/>
             </a:xfrm>
             <a:custGeom>
@@ -31069,7 +31069,7 @@
           </p:nvSpPr>
           <p:spPr>
             <a:xfrm>
-              <a:off x="5319804" y="5645926"/>
+              <a:off x="5318893" y="5649623"/>
               <a:ext cx="0" cy="34794"/>
             </a:xfrm>
             <a:custGeom>
@@ -31109,7 +31109,7 @@
           </p:nvSpPr>
           <p:spPr>
             <a:xfrm>
-              <a:off x="6969876" y="5645926"/>
+              <a:off x="6969380" y="5649623"/>
               <a:ext cx="0" cy="34794"/>
             </a:xfrm>
             <a:custGeom>
@@ -31149,7 +31149,7 @@
           </p:nvSpPr>
           <p:spPr>
             <a:xfrm>
-              <a:off x="8619948" y="5645926"/>
+              <a:off x="8619868" y="5649623"/>
               <a:ext cx="0" cy="34794"/>
             </a:xfrm>
             <a:custGeom>
@@ -31189,7 +31189,7 @@
           </p:nvSpPr>
           <p:spPr>
             <a:xfrm>
-              <a:off x="1992948" y="5707410"/>
+              <a:off x="1991205" y="5711107"/>
               <a:ext cx="53424" cy="79126"/>
             </a:xfrm>
             <a:custGeom>
@@ -31632,7 +31632,7 @@
                     <a:pt x="48312" y="12306"/>
                   </a:lnTo>
                   <a:lnTo>
-                    <a:pt x="48894" y="13492"/>
+                    <a:pt x="48895" y="13492"/>
                   </a:lnTo>
                   <a:lnTo>
                     <a:pt x="49447" y="14740"/>
@@ -31700,7 +31700,7 @@
           </p:nvSpPr>
           <p:spPr>
             <a:xfrm>
-              <a:off x="2002880" y="5715377"/>
+              <a:off x="2001137" y="5719075"/>
               <a:ext cx="33506" cy="63137"/>
             </a:xfrm>
             <a:custGeom>
@@ -32211,7 +32211,7 @@
           </p:nvSpPr>
           <p:spPr>
             <a:xfrm>
-              <a:off x="3580974" y="5708556"/>
+              <a:off x="3579646" y="5712253"/>
               <a:ext cx="52987" cy="77980"/>
             </a:xfrm>
             <a:custGeom>
@@ -33163,7 +33163,7 @@
           </p:nvSpPr>
           <p:spPr>
             <a:xfrm>
-              <a:off x="3643020" y="5707410"/>
+              <a:off x="3641693" y="5711107"/>
               <a:ext cx="53424" cy="79126"/>
             </a:xfrm>
             <a:custGeom>
@@ -33674,7 +33674,7 @@
           </p:nvSpPr>
           <p:spPr>
             <a:xfrm>
-              <a:off x="3652952" y="5715377"/>
+              <a:off x="3651625" y="5719075"/>
               <a:ext cx="33506" cy="63137"/>
             </a:xfrm>
             <a:custGeom>
@@ -34185,7 +34185,7 @@
           </p:nvSpPr>
           <p:spPr>
             <a:xfrm>
-              <a:off x="3705176" y="5707410"/>
+              <a:off x="3703848" y="5711107"/>
               <a:ext cx="53424" cy="79126"/>
             </a:xfrm>
             <a:custGeom>
@@ -34696,7 +34696,7 @@
           </p:nvSpPr>
           <p:spPr>
             <a:xfrm>
-              <a:off x="3715108" y="5715377"/>
+              <a:off x="3713780" y="5719075"/>
               <a:ext cx="33506" cy="63137"/>
             </a:xfrm>
             <a:custGeom>
@@ -35207,7 +35207,7 @@
           </p:nvSpPr>
           <p:spPr>
             <a:xfrm>
-              <a:off x="5204006" y="5708556"/>
+              <a:off x="5203094" y="5712253"/>
               <a:ext cx="48185" cy="76889"/>
             </a:xfrm>
             <a:custGeom>
@@ -35271,7 +35271,7 @@
           </p:nvSpPr>
           <p:spPr>
             <a:xfrm>
-              <a:off x="5262014" y="5707410"/>
+              <a:off x="5261103" y="5711107"/>
               <a:ext cx="53424" cy="79126"/>
             </a:xfrm>
             <a:custGeom>
@@ -35782,7 +35782,7 @@
           </p:nvSpPr>
           <p:spPr>
             <a:xfrm>
-              <a:off x="5271946" y="5715377"/>
+              <a:off x="5271034" y="5719075"/>
               <a:ext cx="33506" cy="63137"/>
             </a:xfrm>
             <a:custGeom>
@@ -36293,7 +36293,7 @@
           </p:nvSpPr>
           <p:spPr>
             <a:xfrm>
-              <a:off x="5324170" y="5707410"/>
+              <a:off x="5323258" y="5711107"/>
               <a:ext cx="53424" cy="79126"/>
             </a:xfrm>
             <a:custGeom>
@@ -36804,7 +36804,7 @@
           </p:nvSpPr>
           <p:spPr>
             <a:xfrm>
-              <a:off x="5334102" y="5715377"/>
+              <a:off x="5333190" y="5719075"/>
               <a:ext cx="33506" cy="63137"/>
             </a:xfrm>
             <a:custGeom>
@@ -37315,7 +37315,7 @@
           </p:nvSpPr>
           <p:spPr>
             <a:xfrm>
-              <a:off x="5386326" y="5707410"/>
+              <a:off x="5385414" y="5711107"/>
               <a:ext cx="53424" cy="79126"/>
             </a:xfrm>
             <a:custGeom>
@@ -37826,7 +37826,7 @@
           </p:nvSpPr>
           <p:spPr>
             <a:xfrm>
-              <a:off x="5396257" y="5715377"/>
+              <a:off x="5395346" y="5719075"/>
               <a:ext cx="33506" cy="63137"/>
             </a:xfrm>
             <a:custGeom>
@@ -38337,7 +38337,7 @@
           </p:nvSpPr>
           <p:spPr>
             <a:xfrm>
-              <a:off x="6854078" y="5708556"/>
+              <a:off x="6853582" y="5712253"/>
               <a:ext cx="48185" cy="76889"/>
             </a:xfrm>
             <a:custGeom>
@@ -38401,7 +38401,7 @@
           </p:nvSpPr>
           <p:spPr>
             <a:xfrm>
-              <a:off x="6912195" y="5708556"/>
+              <a:off x="6911700" y="5712253"/>
               <a:ext cx="52987" cy="77980"/>
             </a:xfrm>
             <a:custGeom>
@@ -39353,7 +39353,7 @@
           </p:nvSpPr>
           <p:spPr>
             <a:xfrm>
-              <a:off x="6974242" y="5707410"/>
+              <a:off x="6973746" y="5711107"/>
               <a:ext cx="53424" cy="79126"/>
             </a:xfrm>
             <a:custGeom>
@@ -39864,7 +39864,7 @@
           </p:nvSpPr>
           <p:spPr>
             <a:xfrm>
-              <a:off x="6984174" y="5715377"/>
+              <a:off x="6983678" y="5719075"/>
               <a:ext cx="33506" cy="63137"/>
             </a:xfrm>
             <a:custGeom>
@@ -40375,7 +40375,7 @@
           </p:nvSpPr>
           <p:spPr>
             <a:xfrm>
-              <a:off x="7036397" y="5707410"/>
+              <a:off x="7035902" y="5711107"/>
               <a:ext cx="53424" cy="79126"/>
             </a:xfrm>
             <a:custGeom>
@@ -40886,7 +40886,7 @@
           </p:nvSpPr>
           <p:spPr>
             <a:xfrm>
-              <a:off x="7046329" y="5715377"/>
+              <a:off x="7045833" y="5719075"/>
               <a:ext cx="33506" cy="63137"/>
             </a:xfrm>
             <a:custGeom>
@@ -41397,7 +41397,7 @@
           </p:nvSpPr>
           <p:spPr>
             <a:xfrm>
-              <a:off x="8501258" y="5707410"/>
+              <a:off x="8501178" y="5711107"/>
               <a:ext cx="50914" cy="78035"/>
             </a:xfrm>
             <a:custGeom>
@@ -42343,7 +42343,7 @@
           </p:nvSpPr>
           <p:spPr>
             <a:xfrm>
-              <a:off x="8562158" y="5707410"/>
+              <a:off x="8562078" y="5711107"/>
               <a:ext cx="53424" cy="79126"/>
             </a:xfrm>
             <a:custGeom>
@@ -42854,7 +42854,7 @@
           </p:nvSpPr>
           <p:spPr>
             <a:xfrm>
-              <a:off x="8572090" y="5715377"/>
+              <a:off x="8572010" y="5719075"/>
               <a:ext cx="33506" cy="63137"/>
             </a:xfrm>
             <a:custGeom>
@@ -43365,7 +43365,7 @@
           </p:nvSpPr>
           <p:spPr>
             <a:xfrm>
-              <a:off x="8624314" y="5707410"/>
+              <a:off x="8624234" y="5711107"/>
               <a:ext cx="53424" cy="79126"/>
             </a:xfrm>
             <a:custGeom>
@@ -43876,7 +43876,7 @@
           </p:nvSpPr>
           <p:spPr>
             <a:xfrm>
-              <a:off x="8634246" y="5715377"/>
+              <a:off x="8634166" y="5719075"/>
               <a:ext cx="33506" cy="63137"/>
             </a:xfrm>
             <a:custGeom>
@@ -44387,7 +44387,7 @@
           </p:nvSpPr>
           <p:spPr>
             <a:xfrm>
-              <a:off x="8686469" y="5707410"/>
+              <a:off x="8686389" y="5711107"/>
               <a:ext cx="53424" cy="79126"/>
             </a:xfrm>
             <a:custGeom>
@@ -44830,7 +44830,7 @@
                     <a:pt x="48312" y="12306"/>
                   </a:lnTo>
                   <a:lnTo>
-                    <a:pt x="48894" y="13492"/>
+                    <a:pt x="48895" y="13492"/>
                   </a:lnTo>
                   <a:lnTo>
                     <a:pt x="49447" y="14740"/>
@@ -44898,7 +44898,7 @@
           </p:nvSpPr>
           <p:spPr>
             <a:xfrm>
-              <a:off x="8696401" y="5715377"/>
+              <a:off x="8696321" y="5719075"/>
               <a:ext cx="33506" cy="63137"/>
             </a:xfrm>
             <a:custGeom>
